--- a/중간 발표 2.pptx
+++ b/중간 발표 2.pptx
@@ -5,15 +5,20 @@
     <p:sldMasterId id="2147483648" r:id="rId1"/>
   </p:sldMasterIdLst>
   <p:sldIdLst>
-    <p:sldId id="257" r:id="rId2"/>
-    <p:sldId id="258" r:id="rId3"/>
-    <p:sldId id="256" r:id="rId4"/>
-    <p:sldId id="259" r:id="rId5"/>
-    <p:sldId id="260" r:id="rId6"/>
-    <p:sldId id="261" r:id="rId7"/>
-    <p:sldId id="262" r:id="rId8"/>
-    <p:sldId id="263" r:id="rId9"/>
-    <p:sldId id="264" r:id="rId10"/>
+    <p:sldId id="268" r:id="rId2"/>
+    <p:sldId id="269" r:id="rId3"/>
+    <p:sldId id="265" r:id="rId4"/>
+    <p:sldId id="257" r:id="rId5"/>
+    <p:sldId id="272" r:id="rId6"/>
+    <p:sldId id="256" r:id="rId7"/>
+    <p:sldId id="271" r:id="rId8"/>
+    <p:sldId id="258" r:id="rId9"/>
+    <p:sldId id="267" r:id="rId10"/>
+    <p:sldId id="259" r:id="rId11"/>
+    <p:sldId id="260" r:id="rId12"/>
+    <p:sldId id="261" r:id="rId13"/>
+    <p:sldId id="263" r:id="rId14"/>
+    <p:sldId id="264" r:id="rId15"/>
   </p:sldIdLst>
   <p:sldSz cx="12192000" cy="6858000"/>
   <p:notesSz cx="6858000" cy="9144000"/>
@@ -251,7 +256,7 @@
           <a:p>
             <a:fld id="{7F91D838-C985-4926-94CD-0ED723F8DB23}" type="datetimeFigureOut">
               <a:rPr lang="ko-KR" altLang="en-US" smtClean="0"/>
-              <a:t>2020-07-31</a:t>
+              <a:t>2020-08-07</a:t>
             </a:fld>
             <a:endParaRPr lang="ko-KR" altLang="en-US"/>
           </a:p>
@@ -421,7 +426,7 @@
           <a:p>
             <a:fld id="{7F91D838-C985-4926-94CD-0ED723F8DB23}" type="datetimeFigureOut">
               <a:rPr lang="ko-KR" altLang="en-US" smtClean="0"/>
-              <a:t>2020-07-31</a:t>
+              <a:t>2020-08-07</a:t>
             </a:fld>
             <a:endParaRPr lang="ko-KR" altLang="en-US"/>
           </a:p>
@@ -601,7 +606,7 @@
           <a:p>
             <a:fld id="{7F91D838-C985-4926-94CD-0ED723F8DB23}" type="datetimeFigureOut">
               <a:rPr lang="ko-KR" altLang="en-US" smtClean="0"/>
-              <a:t>2020-07-31</a:t>
+              <a:t>2020-08-07</a:t>
             </a:fld>
             <a:endParaRPr lang="ko-KR" altLang="en-US"/>
           </a:p>
@@ -771,7 +776,7 @@
           <a:p>
             <a:fld id="{7F91D838-C985-4926-94CD-0ED723F8DB23}" type="datetimeFigureOut">
               <a:rPr lang="ko-KR" altLang="en-US" smtClean="0"/>
-              <a:t>2020-07-31</a:t>
+              <a:t>2020-08-07</a:t>
             </a:fld>
             <a:endParaRPr lang="ko-KR" altLang="en-US"/>
           </a:p>
@@ -1017,7 +1022,7 @@
           <a:p>
             <a:fld id="{7F91D838-C985-4926-94CD-0ED723F8DB23}" type="datetimeFigureOut">
               <a:rPr lang="ko-KR" altLang="en-US" smtClean="0"/>
-              <a:t>2020-07-31</a:t>
+              <a:t>2020-08-07</a:t>
             </a:fld>
             <a:endParaRPr lang="ko-KR" altLang="en-US"/>
           </a:p>
@@ -1249,7 +1254,7 @@
           <a:p>
             <a:fld id="{7F91D838-C985-4926-94CD-0ED723F8DB23}" type="datetimeFigureOut">
               <a:rPr lang="ko-KR" altLang="en-US" smtClean="0"/>
-              <a:t>2020-07-31</a:t>
+              <a:t>2020-08-07</a:t>
             </a:fld>
             <a:endParaRPr lang="ko-KR" altLang="en-US"/>
           </a:p>
@@ -1616,7 +1621,7 @@
           <a:p>
             <a:fld id="{7F91D838-C985-4926-94CD-0ED723F8DB23}" type="datetimeFigureOut">
               <a:rPr lang="ko-KR" altLang="en-US" smtClean="0"/>
-              <a:t>2020-07-31</a:t>
+              <a:t>2020-08-07</a:t>
             </a:fld>
             <a:endParaRPr lang="ko-KR" altLang="en-US"/>
           </a:p>
@@ -1734,7 +1739,7 @@
           <a:p>
             <a:fld id="{7F91D838-C985-4926-94CD-0ED723F8DB23}" type="datetimeFigureOut">
               <a:rPr lang="ko-KR" altLang="en-US" smtClean="0"/>
-              <a:t>2020-07-31</a:t>
+              <a:t>2020-08-07</a:t>
             </a:fld>
             <a:endParaRPr lang="ko-KR" altLang="en-US"/>
           </a:p>
@@ -1829,7 +1834,7 @@
           <a:p>
             <a:fld id="{7F91D838-C985-4926-94CD-0ED723F8DB23}" type="datetimeFigureOut">
               <a:rPr lang="ko-KR" altLang="en-US" smtClean="0"/>
-              <a:t>2020-07-31</a:t>
+              <a:t>2020-08-07</a:t>
             </a:fld>
             <a:endParaRPr lang="ko-KR" altLang="en-US"/>
           </a:p>
@@ -2106,7 +2111,7 @@
           <a:p>
             <a:fld id="{7F91D838-C985-4926-94CD-0ED723F8DB23}" type="datetimeFigureOut">
               <a:rPr lang="ko-KR" altLang="en-US" smtClean="0"/>
-              <a:t>2020-07-31</a:t>
+              <a:t>2020-08-07</a:t>
             </a:fld>
             <a:endParaRPr lang="ko-KR" altLang="en-US"/>
           </a:p>
@@ -2359,7 +2364,7 @@
           <a:p>
             <a:fld id="{7F91D838-C985-4926-94CD-0ED723F8DB23}" type="datetimeFigureOut">
               <a:rPr lang="ko-KR" altLang="en-US" smtClean="0"/>
-              <a:t>2020-07-31</a:t>
+              <a:t>2020-08-07</a:t>
             </a:fld>
             <a:endParaRPr lang="ko-KR" altLang="en-US"/>
           </a:p>
@@ -2572,7 +2577,7 @@
           <a:p>
             <a:fld id="{7F91D838-C985-4926-94CD-0ED723F8DB23}" type="datetimeFigureOut">
               <a:rPr lang="ko-KR" altLang="en-US" smtClean="0"/>
-              <a:t>2020-07-31</a:t>
+              <a:t>2020-08-07</a:t>
             </a:fld>
             <a:endParaRPr lang="ko-KR" altLang="en-US"/>
           </a:p>
@@ -2979,191 +2984,48 @@
       </p:grpSpPr>
       <p:sp>
         <p:nvSpPr>
-          <p:cNvPr id="9" name="직사각형 8"/>
-          <p:cNvSpPr/>
-          <p:nvPr/>
-        </p:nvSpPr>
-        <p:spPr>
-          <a:xfrm>
-            <a:off x="22053" y="0"/>
-            <a:ext cx="2954656" cy="923330"/>
-          </a:xfrm>
-          <a:prstGeom prst="rect">
-            <a:avLst/>
-          </a:prstGeom>
-          <a:noFill/>
-        </p:spPr>
-        <p:txBody>
-          <a:bodyPr wrap="none" lIns="91440" tIns="45720" rIns="91440" bIns="45720">
-            <a:spAutoFit/>
-          </a:bodyPr>
-          <a:lstStyle/>
-          <a:p>
-            <a:pPr algn="ctr"/>
-            <a:r>
-              <a:rPr lang="ko-KR" altLang="en-US" sz="5400" b="0" cap="none" spc="0" dirty="0" smtClean="0">
-                <a:ln w="0"/>
-                <a:solidFill>
-                  <a:schemeClr val="accent1"/>
-                </a:solidFill>
-                <a:effectLst>
-                  <a:outerShdw blurRad="38100" dist="25400" dir="5400000" algn="ctr" rotWithShape="0">
-                    <a:srgbClr val="6E747A">
-                      <a:alpha val="43000"/>
-                    </a:srgbClr>
-                  </a:outerShdw>
-                </a:effectLst>
-              </a:rPr>
-              <a:t>회원가입</a:t>
-            </a:r>
-            <a:endParaRPr lang="en-US" altLang="ko-KR" sz="5400" b="0" cap="none" spc="0" dirty="0">
-              <a:ln w="0"/>
-              <a:solidFill>
-                <a:schemeClr val="accent1"/>
-              </a:solidFill>
-              <a:effectLst>
-                <a:outerShdw blurRad="38100" dist="25400" dir="5400000" algn="ctr" rotWithShape="0">
-                  <a:srgbClr val="6E747A">
-                    <a:alpha val="43000"/>
-                  </a:srgbClr>
-                </a:outerShdw>
-              </a:effectLst>
-            </a:endParaRPr>
-          </a:p>
-        </p:txBody>
-      </p:sp>
-      <p:pic>
-        <p:nvPicPr>
-          <p:cNvPr id="5" name="그림 4"/>
-          <p:cNvPicPr>
-            <a:picLocks noChangeAspect="1"/>
-          </p:cNvPicPr>
-          <p:nvPr/>
-        </p:nvPicPr>
-        <p:blipFill rotWithShape="1">
-          <a:blip r:embed="rId2">
-            <a:extLst>
-              <a:ext uri="{28A0092B-C50C-407E-A947-70E740481C1C}">
-                <a14:useLocalDpi xmlns:a14="http://schemas.microsoft.com/office/drawing/2010/main" val="0"/>
-              </a:ext>
-            </a:extLst>
-          </a:blip>
-          <a:srcRect l="31698" r="30811" b="24382"/>
-          <a:stretch/>
-        </p:blipFill>
-        <p:spPr>
-          <a:xfrm>
-            <a:off x="6084748" y="1595119"/>
-            <a:ext cx="4847412" cy="5244990"/>
-          </a:xfrm>
-          <a:prstGeom prst="rect">
-            <a:avLst/>
-          </a:prstGeom>
-        </p:spPr>
-      </p:pic>
-      <p:sp>
-        <p:nvSpPr>
-          <p:cNvPr id="11" name="TextBox 10"/>
-          <p:cNvSpPr txBox="1"/>
-          <p:nvPr/>
-        </p:nvSpPr>
-        <p:spPr>
-          <a:xfrm>
-            <a:off x="629749" y="1074559"/>
-            <a:ext cx="1651414" cy="369332"/>
-          </a:xfrm>
-          <a:prstGeom prst="rect">
-            <a:avLst/>
-          </a:prstGeom>
-          <a:noFill/>
-        </p:spPr>
-        <p:txBody>
-          <a:bodyPr wrap="none" rtlCol="0">
-            <a:spAutoFit/>
-          </a:bodyPr>
-          <a:lstStyle/>
-          <a:p>
-            <a:r>
-              <a:rPr lang="ko-KR" altLang="en-US" b="1" dirty="0" smtClean="0"/>
-              <a:t>회원가입 실패</a:t>
+          <p:cNvPr id="2" name="제목 1"/>
+          <p:cNvSpPr>
+            <a:spLocks noGrp="1"/>
+          </p:cNvSpPr>
+          <p:nvPr>
+            <p:ph type="ctrTitle"/>
+          </p:nvPr>
+        </p:nvSpPr>
+        <p:spPr/>
+        <p:txBody>
+          <a:bodyPr/>
+          <a:lstStyle/>
+          <a:p>
+            <a:r>
+              <a:rPr lang="en-US" altLang="ko-KR" b="1" dirty="0" smtClean="0"/>
+              <a:t>MAIN</a:t>
             </a:r>
             <a:endParaRPr lang="ko-KR" altLang="en-US" b="1" dirty="0"/>
           </a:p>
         </p:txBody>
       </p:sp>
-      <p:sp>
-        <p:nvSpPr>
-          <p:cNvPr id="12" name="TextBox 11"/>
-          <p:cNvSpPr txBox="1"/>
-          <p:nvPr/>
-        </p:nvSpPr>
-        <p:spPr>
-          <a:xfrm>
-            <a:off x="5990608" y="1074559"/>
-            <a:ext cx="1651414" cy="369332"/>
-          </a:xfrm>
-          <a:prstGeom prst="rect">
-            <a:avLst/>
-          </a:prstGeom>
-          <a:noFill/>
-        </p:spPr>
-        <p:txBody>
-          <a:bodyPr wrap="none" rtlCol="0">
-            <a:spAutoFit/>
-          </a:bodyPr>
-          <a:lstStyle/>
-          <a:p>
-            <a:r>
-              <a:rPr lang="ko-KR" altLang="en-US" b="1" dirty="0" smtClean="0"/>
-              <a:t>회원가입 성공</a:t>
-            </a:r>
-            <a:endParaRPr lang="ko-KR" altLang="en-US" b="1" dirty="0"/>
-          </a:p>
-        </p:txBody>
-      </p:sp>
-      <p:pic>
-        <p:nvPicPr>
-          <p:cNvPr id="2" name="그림 1"/>
-          <p:cNvPicPr>
-            <a:picLocks noChangeAspect="1"/>
-          </p:cNvPicPr>
-          <p:nvPr/>
-        </p:nvPicPr>
-        <p:blipFill rotWithShape="1">
-          <a:blip r:embed="rId3">
-            <a:extLst>
-              <a:ext uri="{28A0092B-C50C-407E-A947-70E740481C1C}">
-                <a14:useLocalDpi xmlns:a14="http://schemas.microsoft.com/office/drawing/2010/main" val="0"/>
-              </a:ext>
-            </a:extLst>
-          </a:blip>
-          <a:srcRect l="29669" r="31066"/>
-          <a:stretch/>
-        </p:blipFill>
-        <p:spPr>
-          <a:xfrm>
-            <a:off x="729919" y="1595119"/>
-            <a:ext cx="4493580" cy="6139403"/>
-          </a:xfrm>
-          <a:prstGeom prst="rect">
-            <a:avLst/>
-          </a:prstGeom>
-        </p:spPr>
-      </p:pic>
     </p:spTree>
     <p:extLst>
       <p:ext uri="{BB962C8B-B14F-4D97-AF65-F5344CB8AC3E}">
-        <p14:creationId xmlns:p14="http://schemas.microsoft.com/office/powerpoint/2010/main" val="507488180"/>
+        <p14:creationId xmlns:p14="http://schemas.microsoft.com/office/powerpoint/2010/main" val="2450684451"/>
       </p:ext>
     </p:extLst>
   </p:cSld>
   <p:clrMapOvr>
     <a:masterClrMapping/>
   </p:clrMapOvr>
+  <p:timing>
+    <p:tnLst>
+      <p:par>
+        <p:cTn id="1" dur="indefinite" restart="never" nodeType="tmRoot"/>
+      </p:par>
+    </p:tnLst>
+  </p:timing>
 </p:sld>
 </file>
 
-<file path=ppt/slides/slide2.xml><?xml version="1.0" encoding="utf-8"?>
+<file path=ppt/slides/slide10.xml><?xml version="1.0" encoding="utf-8"?>
 <p:sld xmlns:a="http://schemas.openxmlformats.org/drawingml/2006/main" xmlns:r="http://schemas.openxmlformats.org/officeDocument/2006/relationships" xmlns:p="http://schemas.openxmlformats.org/presentationml/2006/main">
   <p:cSld>
     <p:spTree>
@@ -3188,7 +3050,7 @@
         </p:nvSpPr>
         <p:spPr>
           <a:xfrm>
-            <a:off x="112776" y="0"/>
+            <a:off x="950174" y="0"/>
             <a:ext cx="3890809" cy="923330"/>
           </a:xfrm>
           <a:prstGeom prst="rect">
@@ -3203,6 +3065,22 @@
           <a:lstStyle/>
           <a:p>
             <a:pPr algn="ctr"/>
+            <a:r>
+              <a:rPr lang="ko-KR" altLang="en-US" sz="5400" b="0" cap="none" spc="0" dirty="0" err="1" smtClean="0">
+                <a:ln w="0"/>
+                <a:solidFill>
+                  <a:schemeClr val="accent1"/>
+                </a:solidFill>
+                <a:effectLst>
+                  <a:outerShdw blurRad="38100" dist="25400" dir="5400000" algn="ctr" rotWithShape="0">
+                    <a:srgbClr val="6E747A">
+                      <a:alpha val="43000"/>
+                    </a:srgbClr>
+                  </a:outerShdw>
+                </a:effectLst>
+              </a:rPr>
+              <a:t>게시글</a:t>
+            </a:r>
             <a:r>
               <a:rPr lang="ko-KR" altLang="en-US" sz="5400" b="0" cap="none" spc="0" dirty="0" smtClean="0">
                 <a:ln w="0"/>
@@ -3217,7 +3095,7 @@
                   </a:outerShdw>
                 </a:effectLst>
               </a:rPr>
-              <a:t>이메일 인증</a:t>
+              <a:t> 검색</a:t>
             </a:r>
             <a:endParaRPr lang="en-US" altLang="ko-KR" sz="5400" b="0" cap="none" spc="0" dirty="0">
               <a:ln w="0"/>
@@ -3235,652 +3113,9 @@
           </a:p>
         </p:txBody>
       </p:sp>
-      <p:sp>
-        <p:nvSpPr>
-          <p:cNvPr id="5" name="TextBox 4"/>
-          <p:cNvSpPr txBox="1"/>
-          <p:nvPr/>
-        </p:nvSpPr>
-        <p:spPr>
-          <a:xfrm>
-            <a:off x="243826" y="1196479"/>
-            <a:ext cx="2820003" cy="369332"/>
-          </a:xfrm>
-          <a:prstGeom prst="rect">
-            <a:avLst/>
-          </a:prstGeom>
-          <a:noFill/>
-        </p:spPr>
-        <p:txBody>
-          <a:bodyPr wrap="none" rtlCol="0">
-            <a:spAutoFit/>
-          </a:bodyPr>
-          <a:lstStyle/>
-          <a:p>
-            <a:r>
-              <a:rPr lang="ko-KR" altLang="en-US" b="1" dirty="0" smtClean="0"/>
-              <a:t>첫 로그인 시 이메일 인증</a:t>
-            </a:r>
-            <a:endParaRPr lang="ko-KR" altLang="en-US" b="1" dirty="0"/>
-          </a:p>
-        </p:txBody>
-      </p:sp>
       <p:pic>
         <p:nvPicPr>
-          <p:cNvPr id="6" name="그림 5"/>
-          <p:cNvPicPr>
-            <a:picLocks noChangeAspect="1"/>
-          </p:cNvPicPr>
-          <p:nvPr/>
-        </p:nvPicPr>
-        <p:blipFill rotWithShape="1">
-          <a:blip r:embed="rId2">
-            <a:extLst>
-              <a:ext uri="{28A0092B-C50C-407E-A947-70E740481C1C}">
-                <a14:useLocalDpi xmlns:a14="http://schemas.microsoft.com/office/drawing/2010/main" val="0"/>
-              </a:ext>
-            </a:extLst>
-          </a:blip>
-          <a:srcRect l="33640" r="34371" b="26642"/>
-          <a:stretch/>
-        </p:blipFill>
-        <p:spPr>
-          <a:xfrm>
-            <a:off x="243826" y="1717039"/>
-            <a:ext cx="3304716" cy="4065597"/>
-          </a:xfrm>
-          <a:prstGeom prst="rect">
-            <a:avLst/>
-          </a:prstGeom>
-        </p:spPr>
-      </p:pic>
-      <p:pic>
-        <p:nvPicPr>
-          <p:cNvPr id="7" name="그림 6"/>
-          <p:cNvPicPr>
-            <a:picLocks noChangeAspect="1"/>
-          </p:cNvPicPr>
-          <p:nvPr/>
-        </p:nvPicPr>
-        <p:blipFill rotWithShape="1">
-          <a:blip r:embed="rId3">
-            <a:extLst>
-              <a:ext uri="{28A0092B-C50C-407E-A947-70E740481C1C}">
-                <a14:useLocalDpi xmlns:a14="http://schemas.microsoft.com/office/drawing/2010/main" val="0"/>
-              </a:ext>
-            </a:extLst>
-          </a:blip>
-          <a:srcRect l="15000" r="37833"/>
-          <a:stretch/>
-        </p:blipFill>
-        <p:spPr>
-          <a:xfrm>
-            <a:off x="3658145" y="1717039"/>
-            <a:ext cx="4023159" cy="4575810"/>
-          </a:xfrm>
-          <a:prstGeom prst="rect">
-            <a:avLst/>
-          </a:prstGeom>
-        </p:spPr>
-      </p:pic>
-      <p:pic>
-        <p:nvPicPr>
-          <p:cNvPr id="8" name="그림 7"/>
-          <p:cNvPicPr>
-            <a:picLocks noChangeAspect="1"/>
-          </p:cNvPicPr>
-          <p:nvPr/>
-        </p:nvPicPr>
-        <p:blipFill rotWithShape="1">
-          <a:blip r:embed="rId4">
-            <a:extLst>
-              <a:ext uri="{28A0092B-C50C-407E-A947-70E740481C1C}">
-                <a14:useLocalDpi xmlns:a14="http://schemas.microsoft.com/office/drawing/2010/main" val="0"/>
-              </a:ext>
-            </a:extLst>
-          </a:blip>
-          <a:srcRect r="50500" b="20097"/>
-          <a:stretch/>
-        </p:blipFill>
-        <p:spPr>
-          <a:xfrm>
-            <a:off x="7887989" y="1717039"/>
-            <a:ext cx="4181736" cy="4493915"/>
-          </a:xfrm>
-          <a:prstGeom prst="rect">
-            <a:avLst/>
-          </a:prstGeom>
-        </p:spPr>
-      </p:pic>
-      <p:sp>
-        <p:nvSpPr>
-          <p:cNvPr id="9" name="TextBox 8"/>
-          <p:cNvSpPr txBox="1"/>
-          <p:nvPr/>
-        </p:nvSpPr>
-        <p:spPr>
-          <a:xfrm>
-            <a:off x="3633334" y="1185703"/>
-            <a:ext cx="1420582" cy="369332"/>
-          </a:xfrm>
-          <a:prstGeom prst="rect">
-            <a:avLst/>
-          </a:prstGeom>
-          <a:noFill/>
-        </p:spPr>
-        <p:txBody>
-          <a:bodyPr wrap="none" rtlCol="0">
-            <a:spAutoFit/>
-          </a:bodyPr>
-          <a:lstStyle/>
-          <a:p>
-            <a:r>
-              <a:rPr lang="ko-KR" altLang="en-US" b="1" dirty="0" smtClean="0"/>
-              <a:t>인증 페이지</a:t>
-            </a:r>
-            <a:endParaRPr lang="ko-KR" altLang="en-US" b="1" dirty="0"/>
-          </a:p>
-        </p:txBody>
-      </p:sp>
-      <p:sp>
-        <p:nvSpPr>
-          <p:cNvPr id="10" name="TextBox 9"/>
-          <p:cNvSpPr txBox="1"/>
-          <p:nvPr/>
-        </p:nvSpPr>
-        <p:spPr>
-          <a:xfrm>
-            <a:off x="7736500" y="1185703"/>
-            <a:ext cx="1189749" cy="369332"/>
-          </a:xfrm>
-          <a:prstGeom prst="rect">
-            <a:avLst/>
-          </a:prstGeom>
-          <a:noFill/>
-        </p:spPr>
-        <p:txBody>
-          <a:bodyPr wrap="none" rtlCol="0">
-            <a:spAutoFit/>
-          </a:bodyPr>
-          <a:lstStyle/>
-          <a:p>
-            <a:r>
-              <a:rPr lang="ko-KR" altLang="en-US" b="1" dirty="0" smtClean="0"/>
-              <a:t>인증 완료</a:t>
-            </a:r>
-            <a:endParaRPr lang="ko-KR" altLang="en-US" b="1" dirty="0"/>
-          </a:p>
-        </p:txBody>
-      </p:sp>
-    </p:spTree>
-    <p:extLst>
-      <p:ext uri="{BB962C8B-B14F-4D97-AF65-F5344CB8AC3E}">
-        <p14:creationId xmlns:p14="http://schemas.microsoft.com/office/powerpoint/2010/main" val="19355574"/>
-      </p:ext>
-    </p:extLst>
-  </p:cSld>
-  <p:clrMapOvr>
-    <a:masterClrMapping/>
-  </p:clrMapOvr>
-</p:sld>
-</file>
-
-<file path=ppt/slides/slide3.xml><?xml version="1.0" encoding="utf-8"?>
-<p:sld xmlns:a="http://schemas.openxmlformats.org/drawingml/2006/main" xmlns:r="http://schemas.openxmlformats.org/officeDocument/2006/relationships" xmlns:p="http://schemas.openxmlformats.org/presentationml/2006/main">
-  <p:cSld>
-    <p:spTree>
-      <p:nvGrpSpPr>
-        <p:cNvPr id="1" name=""/>
-        <p:cNvGrpSpPr/>
-        <p:nvPr/>
-      </p:nvGrpSpPr>
-      <p:grpSpPr>
-        <a:xfrm>
-          <a:off x="0" y="0"/>
-          <a:ext cx="0" cy="0"/>
-          <a:chOff x="0" y="0"/>
-          <a:chExt cx="0" cy="0"/>
-        </a:xfrm>
-      </p:grpSpPr>
-      <p:pic>
-        <p:nvPicPr>
-          <p:cNvPr id="4" name="그림 3"/>
-          <p:cNvPicPr>
-            <a:picLocks noChangeAspect="1"/>
-          </p:cNvPicPr>
-          <p:nvPr/>
-        </p:nvPicPr>
-        <p:blipFill>
-          <a:blip r:embed="rId2" cstate="print">
-            <a:extLst>
-              <a:ext uri="{28A0092B-C50C-407E-A947-70E740481C1C}">
-                <a14:useLocalDpi xmlns:a14="http://schemas.microsoft.com/office/drawing/2010/main" val="0"/>
-              </a:ext>
-            </a:extLst>
-          </a:blip>
-          <a:stretch>
-            <a:fillRect/>
-          </a:stretch>
-        </p:blipFill>
-        <p:spPr>
-          <a:xfrm>
-            <a:off x="3177645" y="1506613"/>
-            <a:ext cx="5894150" cy="3161966"/>
-          </a:xfrm>
-          <a:prstGeom prst="rect">
-            <a:avLst/>
-          </a:prstGeom>
-        </p:spPr>
-      </p:pic>
-      <p:sp>
-        <p:nvSpPr>
-          <p:cNvPr id="5" name="직사각형 4"/>
-          <p:cNvSpPr/>
-          <p:nvPr/>
-        </p:nvSpPr>
-        <p:spPr>
-          <a:xfrm>
-            <a:off x="93981" y="0"/>
-            <a:ext cx="2262159" cy="923330"/>
-          </a:xfrm>
-          <a:prstGeom prst="rect">
-            <a:avLst/>
-          </a:prstGeom>
-          <a:noFill/>
-        </p:spPr>
-        <p:txBody>
-          <a:bodyPr wrap="none" lIns="91440" tIns="45720" rIns="91440" bIns="45720">
-            <a:spAutoFit/>
-          </a:bodyPr>
-          <a:lstStyle/>
-          <a:p>
-            <a:pPr algn="ctr"/>
-            <a:r>
-              <a:rPr lang="ko-KR" altLang="en-US" sz="5400" b="0" cap="none" spc="0" dirty="0" smtClean="0">
-                <a:ln w="0"/>
-                <a:solidFill>
-                  <a:schemeClr val="accent1"/>
-                </a:solidFill>
-                <a:effectLst>
-                  <a:outerShdw blurRad="38100" dist="25400" dir="5400000" algn="ctr" rotWithShape="0">
-                    <a:srgbClr val="6E747A">
-                      <a:alpha val="43000"/>
-                    </a:srgbClr>
-                  </a:outerShdw>
-                </a:effectLst>
-              </a:rPr>
-              <a:t>로그인</a:t>
-            </a:r>
-            <a:endParaRPr lang="en-US" altLang="ko-KR" sz="5400" b="0" cap="none" spc="0" dirty="0">
-              <a:ln w="0"/>
-              <a:solidFill>
-                <a:schemeClr val="accent1"/>
-              </a:solidFill>
-              <a:effectLst>
-                <a:outerShdw blurRad="38100" dist="25400" dir="5400000" algn="ctr" rotWithShape="0">
-                  <a:srgbClr val="6E747A">
-                    <a:alpha val="43000"/>
-                  </a:srgbClr>
-                </a:outerShdw>
-              </a:effectLst>
-            </a:endParaRPr>
-          </a:p>
-        </p:txBody>
-      </p:sp>
-      <p:pic>
-        <p:nvPicPr>
-          <p:cNvPr id="7" name="그림 6"/>
-          <p:cNvPicPr>
-            <a:picLocks noChangeAspect="1"/>
-          </p:cNvPicPr>
-          <p:nvPr/>
-        </p:nvPicPr>
-        <p:blipFill>
-          <a:blip r:embed="rId3" cstate="print">
-            <a:extLst>
-              <a:ext uri="{28A0092B-C50C-407E-A947-70E740481C1C}">
-                <a14:useLocalDpi xmlns:a14="http://schemas.microsoft.com/office/drawing/2010/main" val="0"/>
-              </a:ext>
-            </a:extLst>
-          </a:blip>
-          <a:stretch>
-            <a:fillRect/>
-          </a:stretch>
-        </p:blipFill>
-        <p:spPr>
-          <a:xfrm>
-            <a:off x="5915869" y="3957593"/>
-            <a:ext cx="6212541" cy="3332770"/>
-          </a:xfrm>
-          <a:prstGeom prst="rect">
-            <a:avLst/>
-          </a:prstGeom>
-        </p:spPr>
-      </p:pic>
-      <p:pic>
-        <p:nvPicPr>
-          <p:cNvPr id="6" name="그림 5"/>
-          <p:cNvPicPr>
-            <a:picLocks noChangeAspect="1"/>
-          </p:cNvPicPr>
-          <p:nvPr/>
-        </p:nvPicPr>
-        <p:blipFill>
-          <a:blip r:embed="rId4" cstate="print">
-            <a:extLst>
-              <a:ext uri="{28A0092B-C50C-407E-A947-70E740481C1C}">
-                <a14:useLocalDpi xmlns:a14="http://schemas.microsoft.com/office/drawing/2010/main" val="0"/>
-              </a:ext>
-            </a:extLst>
-          </a:blip>
-          <a:stretch>
-            <a:fillRect/>
-          </a:stretch>
-        </p:blipFill>
-        <p:spPr>
-          <a:xfrm>
-            <a:off x="65898" y="3956543"/>
-            <a:ext cx="6140335" cy="3294034"/>
-          </a:xfrm>
-          <a:prstGeom prst="rect">
-            <a:avLst/>
-          </a:prstGeom>
-        </p:spPr>
-      </p:pic>
-      <p:sp>
-        <p:nvSpPr>
-          <p:cNvPr id="8" name="TextBox 7"/>
-          <p:cNvSpPr txBox="1"/>
-          <p:nvPr/>
-        </p:nvSpPr>
-        <p:spPr>
-          <a:xfrm>
-            <a:off x="2998693" y="1039886"/>
-            <a:ext cx="1420582" cy="369332"/>
-          </a:xfrm>
-          <a:prstGeom prst="rect">
-            <a:avLst/>
-          </a:prstGeom>
-          <a:noFill/>
-        </p:spPr>
-        <p:txBody>
-          <a:bodyPr wrap="none" rtlCol="0">
-            <a:spAutoFit/>
-          </a:bodyPr>
-          <a:lstStyle/>
-          <a:p>
-            <a:r>
-              <a:rPr lang="ko-KR" altLang="en-US" b="1" dirty="0" smtClean="0"/>
-              <a:t>로그인 화면</a:t>
-            </a:r>
-            <a:endParaRPr lang="ko-KR" altLang="en-US" b="1" dirty="0"/>
-          </a:p>
-        </p:txBody>
-      </p:sp>
-      <p:sp>
-        <p:nvSpPr>
-          <p:cNvPr id="9" name="TextBox 8"/>
-          <p:cNvSpPr txBox="1"/>
-          <p:nvPr/>
-        </p:nvSpPr>
-        <p:spPr>
-          <a:xfrm>
-            <a:off x="121030" y="3582149"/>
-            <a:ext cx="1963999" cy="369332"/>
-          </a:xfrm>
-          <a:prstGeom prst="rect">
-            <a:avLst/>
-          </a:prstGeom>
-          <a:noFill/>
-        </p:spPr>
-        <p:txBody>
-          <a:bodyPr wrap="none" rtlCol="0">
-            <a:spAutoFit/>
-          </a:bodyPr>
-          <a:lstStyle/>
-          <a:p>
-            <a:r>
-              <a:rPr lang="ko-KR" altLang="en-US" b="1" dirty="0" smtClean="0"/>
-              <a:t>로그인 실패 화면</a:t>
-            </a:r>
-            <a:endParaRPr lang="ko-KR" altLang="en-US" b="1" dirty="0"/>
-          </a:p>
-        </p:txBody>
-      </p:sp>
-      <p:sp>
-        <p:nvSpPr>
-          <p:cNvPr id="10" name="TextBox 9"/>
-          <p:cNvSpPr txBox="1"/>
-          <p:nvPr/>
-        </p:nvSpPr>
-        <p:spPr>
-          <a:xfrm>
-            <a:off x="6206233" y="3538514"/>
-            <a:ext cx="1963999" cy="369332"/>
-          </a:xfrm>
-          <a:prstGeom prst="rect">
-            <a:avLst/>
-          </a:prstGeom>
-          <a:noFill/>
-        </p:spPr>
-        <p:txBody>
-          <a:bodyPr wrap="none" rtlCol="0">
-            <a:spAutoFit/>
-          </a:bodyPr>
-          <a:lstStyle/>
-          <a:p>
-            <a:r>
-              <a:rPr lang="ko-KR" altLang="en-US" b="1" dirty="0" smtClean="0"/>
-              <a:t>로그인 성공 화면</a:t>
-            </a:r>
-            <a:endParaRPr lang="ko-KR" altLang="en-US" b="1" dirty="0"/>
-          </a:p>
-        </p:txBody>
-      </p:sp>
-      <p:sp>
-        <p:nvSpPr>
-          <p:cNvPr id="11" name="TextBox 10"/>
-          <p:cNvSpPr txBox="1"/>
-          <p:nvPr/>
-        </p:nvSpPr>
-        <p:spPr>
-          <a:xfrm>
-            <a:off x="1993611" y="6129474"/>
-            <a:ext cx="2425664" cy="369332"/>
-          </a:xfrm>
-          <a:prstGeom prst="rect">
-            <a:avLst/>
-          </a:prstGeom>
-          <a:noFill/>
-        </p:spPr>
-        <p:txBody>
-          <a:bodyPr wrap="none" rtlCol="0">
-            <a:spAutoFit/>
-          </a:bodyPr>
-          <a:lstStyle/>
-          <a:p>
-            <a:r>
-              <a:rPr lang="ko-KR" altLang="en-US" dirty="0" smtClean="0">
-                <a:solidFill>
-                  <a:srgbClr val="FF0000"/>
-                </a:solidFill>
-              </a:rPr>
-              <a:t>로그인 비밀번호 오류</a:t>
-            </a:r>
-            <a:endParaRPr lang="ko-KR" altLang="en-US" dirty="0">
-              <a:solidFill>
-                <a:srgbClr val="FF0000"/>
-              </a:solidFill>
-            </a:endParaRPr>
-          </a:p>
-        </p:txBody>
-      </p:sp>
-      <p:cxnSp>
-        <p:nvCxnSpPr>
-          <p:cNvPr id="22" name="직선 화살표 연결선 21"/>
-          <p:cNvCxnSpPr/>
-          <p:nvPr/>
-        </p:nvCxnSpPr>
-        <p:spPr>
-          <a:xfrm>
-            <a:off x="1707776" y="5603560"/>
-            <a:ext cx="648364" cy="486128"/>
-          </a:xfrm>
-          <a:prstGeom prst="straightConnector1">
-            <a:avLst/>
-          </a:prstGeom>
-          <a:ln>
-            <a:solidFill>
-              <a:srgbClr val="FF0000"/>
-            </a:solidFill>
-            <a:tailEnd type="triangle"/>
-          </a:ln>
-        </p:spPr>
-        <p:style>
-          <a:lnRef idx="1">
-            <a:schemeClr val="accent1"/>
-          </a:lnRef>
-          <a:fillRef idx="0">
-            <a:schemeClr val="accent1"/>
-          </a:fillRef>
-          <a:effectRef idx="0">
-            <a:schemeClr val="accent1"/>
-          </a:effectRef>
-          <a:fontRef idx="minor">
-            <a:schemeClr val="tx1"/>
-          </a:fontRef>
-        </p:style>
-      </p:cxnSp>
-      <p:cxnSp>
-        <p:nvCxnSpPr>
-          <p:cNvPr id="24" name="직선 연결선 23"/>
-          <p:cNvCxnSpPr/>
-          <p:nvPr/>
-        </p:nvCxnSpPr>
-        <p:spPr>
-          <a:xfrm flipV="1">
-            <a:off x="1707776" y="4787153"/>
-            <a:ext cx="524436" cy="816408"/>
-          </a:xfrm>
-          <a:prstGeom prst="line">
-            <a:avLst/>
-          </a:prstGeom>
-          <a:ln>
-            <a:solidFill>
-              <a:srgbClr val="FF0000"/>
-            </a:solidFill>
-          </a:ln>
-        </p:spPr>
-        <p:style>
-          <a:lnRef idx="1">
-            <a:schemeClr val="accent1"/>
-          </a:lnRef>
-          <a:fillRef idx="0">
-            <a:schemeClr val="accent1"/>
-          </a:fillRef>
-          <a:effectRef idx="0">
-            <a:schemeClr val="accent1"/>
-          </a:effectRef>
-          <a:fontRef idx="minor">
-            <a:schemeClr val="tx1"/>
-          </a:fontRef>
-        </p:style>
-      </p:cxnSp>
-    </p:spTree>
-    <p:extLst>
-      <p:ext uri="{BB962C8B-B14F-4D97-AF65-F5344CB8AC3E}">
-        <p14:creationId xmlns:p14="http://schemas.microsoft.com/office/powerpoint/2010/main" val="3051086011"/>
-      </p:ext>
-    </p:extLst>
-  </p:cSld>
-  <p:clrMapOvr>
-    <a:masterClrMapping/>
-  </p:clrMapOvr>
-  <p:timing>
-    <p:tnLst>
-      <p:par>
-        <p:cTn id="1" dur="indefinite" restart="never" nodeType="tmRoot"/>
-      </p:par>
-    </p:tnLst>
-  </p:timing>
-</p:sld>
-</file>
-
-<file path=ppt/slides/slide4.xml><?xml version="1.0" encoding="utf-8"?>
-<p:sld xmlns:a="http://schemas.openxmlformats.org/drawingml/2006/main" xmlns:r="http://schemas.openxmlformats.org/officeDocument/2006/relationships" xmlns:p="http://schemas.openxmlformats.org/presentationml/2006/main">
-  <p:cSld>
-    <p:spTree>
-      <p:nvGrpSpPr>
-        <p:cNvPr id="1" name=""/>
-        <p:cNvGrpSpPr/>
-        <p:nvPr/>
-      </p:nvGrpSpPr>
-      <p:grpSpPr>
-        <a:xfrm>
-          <a:off x="0" y="0"/>
-          <a:ext cx="0" cy="0"/>
-          <a:chOff x="0" y="0"/>
-          <a:chExt cx="0" cy="0"/>
-        </a:xfrm>
-      </p:grpSpPr>
-      <p:sp>
-        <p:nvSpPr>
-          <p:cNvPr id="4" name="직사각형 3"/>
-          <p:cNvSpPr/>
-          <p:nvPr/>
-        </p:nvSpPr>
-        <p:spPr>
-          <a:xfrm>
-            <a:off x="93266" y="0"/>
-            <a:ext cx="3198311" cy="923330"/>
-          </a:xfrm>
-          <a:prstGeom prst="rect">
-            <a:avLst/>
-          </a:prstGeom>
-          <a:noFill/>
-        </p:spPr>
-        <p:txBody>
-          <a:bodyPr wrap="none" lIns="91440" tIns="45720" rIns="91440" bIns="45720">
-            <a:spAutoFit/>
-          </a:bodyPr>
-          <a:lstStyle/>
-          <a:p>
-            <a:pPr algn="ctr"/>
-            <a:r>
-              <a:rPr lang="ko-KR" altLang="en-US" sz="5400" b="0" cap="none" spc="0" dirty="0" smtClean="0">
-                <a:ln w="0"/>
-                <a:solidFill>
-                  <a:schemeClr val="accent1"/>
-                </a:solidFill>
-                <a:effectLst>
-                  <a:outerShdw blurRad="38100" dist="25400" dir="5400000" algn="ctr" rotWithShape="0">
-                    <a:srgbClr val="6E747A">
-                      <a:alpha val="43000"/>
-                    </a:srgbClr>
-                  </a:outerShdw>
-                </a:effectLst>
-              </a:rPr>
-              <a:t>질문 목록</a:t>
-            </a:r>
-            <a:endParaRPr lang="en-US" altLang="ko-KR" sz="5400" b="0" cap="none" spc="0" dirty="0">
-              <a:ln w="0"/>
-              <a:solidFill>
-                <a:schemeClr val="accent1"/>
-              </a:solidFill>
-              <a:effectLst>
-                <a:outerShdw blurRad="38100" dist="25400" dir="5400000" algn="ctr" rotWithShape="0">
-                  <a:srgbClr val="6E747A">
-                    <a:alpha val="43000"/>
-                  </a:srgbClr>
-                </a:outerShdw>
-              </a:effectLst>
-            </a:endParaRPr>
-          </a:p>
-        </p:txBody>
-      </p:sp>
-      <p:pic>
-        <p:nvPicPr>
-          <p:cNvPr id="5" name="그림 4"/>
+          <p:cNvPr id="3" name="그림 2"/>
           <p:cNvPicPr>
             <a:picLocks noChangeAspect="1"/>
           </p:cNvPicPr>
@@ -3900,8 +3135,8 @@
         </p:blipFill>
         <p:spPr>
           <a:xfrm>
-            <a:off x="833120" y="1082080"/>
-            <a:ext cx="10766763" cy="5775920"/>
+            <a:off x="1396379" y="1187115"/>
+            <a:ext cx="9655915" cy="5494421"/>
           </a:xfrm>
           <a:prstGeom prst="rect">
             <a:avLst/>
@@ -3918,10 +3153,17 @@
   <p:clrMapOvr>
     <a:masterClrMapping/>
   </p:clrMapOvr>
+  <p:timing>
+    <p:tnLst>
+      <p:par>
+        <p:cTn id="1" dur="indefinite" restart="never" nodeType="tmRoot"/>
+      </p:par>
+    </p:tnLst>
+  </p:timing>
 </p:sld>
 </file>
 
-<file path=ppt/slides/slide5.xml><?xml version="1.0" encoding="utf-8"?>
+<file path=ppt/slides/slide11.xml><?xml version="1.0" encoding="utf-8"?>
 <p:sld xmlns:a="http://schemas.openxmlformats.org/drawingml/2006/main" xmlns:r="http://schemas.openxmlformats.org/officeDocument/2006/relationships" xmlns:p="http://schemas.openxmlformats.org/presentationml/2006/main">
   <p:cSld>
     <p:spTree>
@@ -3946,8 +3188,8 @@
         </p:nvSpPr>
         <p:spPr>
           <a:xfrm>
-            <a:off x="93266" y="0"/>
-            <a:ext cx="3198311" cy="923330"/>
+            <a:off x="1196822" y="144379"/>
+            <a:ext cx="2505814" cy="923330"/>
           </a:xfrm>
           <a:prstGeom prst="rect">
             <a:avLst/>
@@ -3961,6 +3203,22 @@
           <a:lstStyle/>
           <a:p>
             <a:pPr algn="ctr"/>
+            <a:r>
+              <a:rPr lang="ko-KR" altLang="en-US" sz="5400" b="0" cap="none" spc="0" dirty="0" err="1" smtClean="0">
+                <a:ln w="0"/>
+                <a:solidFill>
+                  <a:schemeClr val="accent1"/>
+                </a:solidFill>
+                <a:effectLst>
+                  <a:outerShdw blurRad="38100" dist="25400" dir="5400000" algn="ctr" rotWithShape="0">
+                    <a:srgbClr val="6E747A">
+                      <a:alpha val="43000"/>
+                    </a:srgbClr>
+                  </a:outerShdw>
+                </a:effectLst>
+              </a:rPr>
+              <a:t>게시글</a:t>
+            </a:r>
             <a:r>
               <a:rPr lang="ko-KR" altLang="en-US" sz="5400" b="0" cap="none" spc="0" dirty="0" smtClean="0">
                 <a:ln w="0"/>
@@ -3975,7 +3233,7 @@
                   </a:outerShdw>
                 </a:effectLst>
               </a:rPr>
-              <a:t>질문 작성</a:t>
+              <a:t> </a:t>
             </a:r>
             <a:endParaRPr lang="en-US" altLang="ko-KR" sz="5400" b="0" cap="none" spc="0" dirty="0">
               <a:ln w="0"/>
@@ -3995,7 +3253,7 @@
       </p:sp>
       <p:pic>
         <p:nvPicPr>
-          <p:cNvPr id="5" name="그림 4"/>
+          <p:cNvPr id="3" name="그림 2"/>
           <p:cNvPicPr>
             <a:picLocks noChangeAspect="1"/>
           </p:cNvPicPr>
@@ -4015,8 +3273,8 @@
         </p:blipFill>
         <p:spPr>
           <a:xfrm>
-            <a:off x="1137920" y="1127760"/>
-            <a:ext cx="10177361" cy="5459730"/>
+            <a:off x="1842435" y="1067709"/>
+            <a:ext cx="8969943" cy="5555050"/>
           </a:xfrm>
           <a:prstGeom prst="rect">
             <a:avLst/>
@@ -4033,10 +3291,463 @@
   <p:clrMapOvr>
     <a:masterClrMapping/>
   </p:clrMapOvr>
+  <p:timing>
+    <p:tnLst>
+      <p:par>
+        <p:cTn id="1" dur="indefinite" restart="never" nodeType="tmRoot"/>
+      </p:par>
+    </p:tnLst>
+  </p:timing>
 </p:sld>
 </file>
 
-<file path=ppt/slides/slide6.xml><?xml version="1.0" encoding="utf-8"?>
+<file path=ppt/slides/slide12.xml><?xml version="1.0" encoding="utf-8"?>
+<p:sld xmlns:a="http://schemas.openxmlformats.org/drawingml/2006/main" xmlns:r="http://schemas.openxmlformats.org/officeDocument/2006/relationships" xmlns:p="http://schemas.openxmlformats.org/presentationml/2006/main">
+  <p:cSld>
+    <p:spTree>
+      <p:nvGrpSpPr>
+        <p:cNvPr id="1" name=""/>
+        <p:cNvGrpSpPr/>
+        <p:nvPr/>
+      </p:nvGrpSpPr>
+      <p:grpSpPr>
+        <a:xfrm>
+          <a:off x="0" y="0"/>
+          <a:ext cx="0" cy="0"/>
+          <a:chOff x="0" y="0"/>
+          <a:chExt cx="0" cy="0"/>
+        </a:xfrm>
+      </p:grpSpPr>
+      <p:sp>
+        <p:nvSpPr>
+          <p:cNvPr id="5" name="직사각형 4"/>
+          <p:cNvSpPr/>
+          <p:nvPr/>
+        </p:nvSpPr>
+        <p:spPr>
+          <a:xfrm>
+            <a:off x="329865" y="316029"/>
+            <a:ext cx="6199133" cy="923330"/>
+          </a:xfrm>
+          <a:prstGeom prst="rect">
+            <a:avLst/>
+          </a:prstGeom>
+          <a:noFill/>
+        </p:spPr>
+        <p:txBody>
+          <a:bodyPr wrap="none" lIns="91440" tIns="45720" rIns="91440" bIns="45720">
+            <a:spAutoFit/>
+          </a:bodyPr>
+          <a:lstStyle/>
+          <a:p>
+            <a:pPr algn="ctr"/>
+            <a:r>
+              <a:rPr lang="ko-KR" altLang="en-US" sz="5400" b="0" cap="none" spc="0" dirty="0" err="1" smtClean="0">
+                <a:ln w="0"/>
+                <a:solidFill>
+                  <a:schemeClr val="accent1"/>
+                </a:solidFill>
+                <a:effectLst>
+                  <a:outerShdw blurRad="38100" dist="25400" dir="5400000" algn="ctr" rotWithShape="0">
+                    <a:srgbClr val="6E747A">
+                      <a:alpha val="43000"/>
+                    </a:srgbClr>
+                  </a:outerShdw>
+                </a:effectLst>
+              </a:rPr>
+              <a:t>게시글</a:t>
+            </a:r>
+            <a:r>
+              <a:rPr lang="ko-KR" altLang="en-US" sz="5400" b="0" cap="none" spc="0" dirty="0" smtClean="0">
+                <a:ln w="0"/>
+                <a:solidFill>
+                  <a:schemeClr val="accent1"/>
+                </a:solidFill>
+                <a:effectLst>
+                  <a:outerShdw blurRad="38100" dist="25400" dir="5400000" algn="ctr" rotWithShape="0">
+                    <a:srgbClr val="6E747A">
+                      <a:alpha val="43000"/>
+                    </a:srgbClr>
+                  </a:outerShdw>
+                </a:effectLst>
+              </a:rPr>
+              <a:t> </a:t>
+            </a:r>
+            <a:r>
+              <a:rPr lang="en-US" altLang="ko-KR" sz="5400" b="0" cap="none" spc="0" dirty="0" smtClean="0">
+                <a:ln w="0"/>
+                <a:solidFill>
+                  <a:schemeClr val="accent1"/>
+                </a:solidFill>
+                <a:effectLst>
+                  <a:outerShdw blurRad="38100" dist="25400" dir="5400000" algn="ctr" rotWithShape="0">
+                    <a:srgbClr val="6E747A">
+                      <a:alpha val="43000"/>
+                    </a:srgbClr>
+                  </a:outerShdw>
+                </a:effectLst>
+              </a:rPr>
+              <a:t>-</a:t>
+            </a:r>
+            <a:r>
+              <a:rPr lang="ko-KR" altLang="en-US" sz="5400" b="0" cap="none" spc="0" dirty="0" smtClean="0">
+                <a:ln w="0"/>
+                <a:solidFill>
+                  <a:schemeClr val="accent1"/>
+                </a:solidFill>
+                <a:effectLst>
+                  <a:outerShdw blurRad="38100" dist="25400" dir="5400000" algn="ctr" rotWithShape="0">
+                    <a:srgbClr val="6E747A">
+                      <a:alpha val="43000"/>
+                    </a:srgbClr>
+                  </a:outerShdw>
+                </a:effectLst>
+              </a:rPr>
+              <a:t> 생성</a:t>
+            </a:r>
+            <a:r>
+              <a:rPr lang="en-US" altLang="ko-KR" sz="5400" b="0" cap="none" spc="0" dirty="0" smtClean="0">
+                <a:ln w="0"/>
+                <a:solidFill>
+                  <a:schemeClr val="accent1"/>
+                </a:solidFill>
+                <a:effectLst>
+                  <a:outerShdw blurRad="38100" dist="25400" dir="5400000" algn="ctr" rotWithShape="0">
+                    <a:srgbClr val="6E747A">
+                      <a:alpha val="43000"/>
+                    </a:srgbClr>
+                  </a:outerShdw>
+                </a:effectLst>
+              </a:rPr>
+              <a:t>, </a:t>
+            </a:r>
+            <a:r>
+              <a:rPr lang="ko-KR" altLang="en-US" sz="5400" b="0" cap="none" spc="0" dirty="0" smtClean="0">
+                <a:ln w="0"/>
+                <a:solidFill>
+                  <a:schemeClr val="accent1"/>
+                </a:solidFill>
+                <a:effectLst>
+                  <a:outerShdw blurRad="38100" dist="25400" dir="5400000" algn="ctr" rotWithShape="0">
+                    <a:srgbClr val="6E747A">
+                      <a:alpha val="43000"/>
+                    </a:srgbClr>
+                  </a:outerShdw>
+                </a:effectLst>
+              </a:rPr>
+              <a:t>삭제</a:t>
+            </a:r>
+            <a:endParaRPr lang="en-US" altLang="ko-KR" sz="5400" b="0" cap="none" spc="0" dirty="0">
+              <a:ln w="0"/>
+              <a:solidFill>
+                <a:schemeClr val="accent1"/>
+              </a:solidFill>
+              <a:effectLst>
+                <a:outerShdw blurRad="38100" dist="25400" dir="5400000" algn="ctr" rotWithShape="0">
+                  <a:srgbClr val="6E747A">
+                    <a:alpha val="43000"/>
+                  </a:srgbClr>
+                </a:outerShdw>
+              </a:effectLst>
+            </a:endParaRPr>
+          </a:p>
+        </p:txBody>
+      </p:sp>
+      <p:pic>
+        <p:nvPicPr>
+          <p:cNvPr id="3" name="그림 2"/>
+          <p:cNvPicPr>
+            <a:picLocks noChangeAspect="1"/>
+          </p:cNvPicPr>
+          <p:nvPr/>
+        </p:nvPicPr>
+        <p:blipFill>
+          <a:blip r:embed="rId2">
+            <a:extLst>
+              <a:ext uri="{28A0092B-C50C-407E-A947-70E740481C1C}">
+                <a14:useLocalDpi xmlns:a14="http://schemas.microsoft.com/office/drawing/2010/main" val="0"/>
+              </a:ext>
+            </a:extLst>
+          </a:blip>
+          <a:stretch>
+            <a:fillRect/>
+          </a:stretch>
+        </p:blipFill>
+        <p:spPr>
+          <a:xfrm>
+            <a:off x="1997881" y="1379622"/>
+            <a:ext cx="8517673" cy="5165557"/>
+          </a:xfrm>
+          <a:prstGeom prst="rect">
+            <a:avLst/>
+          </a:prstGeom>
+        </p:spPr>
+      </p:pic>
+    </p:spTree>
+    <p:extLst>
+      <p:ext uri="{BB962C8B-B14F-4D97-AF65-F5344CB8AC3E}">
+        <p14:creationId xmlns:p14="http://schemas.microsoft.com/office/powerpoint/2010/main" val="2905228592"/>
+      </p:ext>
+    </p:extLst>
+  </p:cSld>
+  <p:clrMapOvr>
+    <a:masterClrMapping/>
+  </p:clrMapOvr>
+  <p:timing>
+    <p:tnLst>
+      <p:par>
+        <p:cTn id="1" dur="indefinite" restart="never" nodeType="tmRoot"/>
+      </p:par>
+    </p:tnLst>
+  </p:timing>
+</p:sld>
+</file>
+
+<file path=ppt/slides/slide13.xml><?xml version="1.0" encoding="utf-8"?>
+<p:sld xmlns:a="http://schemas.openxmlformats.org/drawingml/2006/main" xmlns:r="http://schemas.openxmlformats.org/officeDocument/2006/relationships" xmlns:p="http://schemas.openxmlformats.org/presentationml/2006/main">
+  <p:cSld>
+    <p:spTree>
+      <p:nvGrpSpPr>
+        <p:cNvPr id="1" name=""/>
+        <p:cNvGrpSpPr/>
+        <p:nvPr/>
+      </p:nvGrpSpPr>
+      <p:grpSpPr>
+        <a:xfrm>
+          <a:off x="0" y="0"/>
+          <a:ext cx="0" cy="0"/>
+          <a:chOff x="0" y="0"/>
+          <a:chExt cx="0" cy="0"/>
+        </a:xfrm>
+      </p:grpSpPr>
+      <p:sp>
+        <p:nvSpPr>
+          <p:cNvPr id="5" name="직사각형 4"/>
+          <p:cNvSpPr/>
+          <p:nvPr/>
+        </p:nvSpPr>
+        <p:spPr>
+          <a:xfrm>
+            <a:off x="540414" y="204206"/>
+            <a:ext cx="2262158" cy="923330"/>
+          </a:xfrm>
+          <a:prstGeom prst="rect">
+            <a:avLst/>
+          </a:prstGeom>
+          <a:noFill/>
+        </p:spPr>
+        <p:txBody>
+          <a:bodyPr wrap="none" lIns="91440" tIns="45720" rIns="91440" bIns="45720">
+            <a:spAutoFit/>
+          </a:bodyPr>
+          <a:lstStyle/>
+          <a:p>
+            <a:pPr algn="ctr"/>
+            <a:r>
+              <a:rPr lang="ko-KR" altLang="en-US" sz="5400" dirty="0" err="1" smtClean="0">
+                <a:ln w="0"/>
+                <a:solidFill>
+                  <a:schemeClr val="accent1"/>
+                </a:solidFill>
+                <a:effectLst>
+                  <a:outerShdw blurRad="38100" dist="25400" dir="5400000" algn="ctr" rotWithShape="0">
+                    <a:srgbClr val="6E747A">
+                      <a:alpha val="43000"/>
+                    </a:srgbClr>
+                  </a:outerShdw>
+                </a:effectLst>
+              </a:rPr>
+              <a:t>찜하기</a:t>
+            </a:r>
+            <a:endParaRPr lang="en-US" altLang="ko-KR" sz="5400" b="0" cap="none" spc="0" dirty="0">
+              <a:ln w="0"/>
+              <a:solidFill>
+                <a:schemeClr val="accent1"/>
+              </a:solidFill>
+              <a:effectLst>
+                <a:outerShdw blurRad="38100" dist="25400" dir="5400000" algn="ctr" rotWithShape="0">
+                  <a:srgbClr val="6E747A">
+                    <a:alpha val="43000"/>
+                  </a:srgbClr>
+                </a:outerShdw>
+              </a:effectLst>
+            </a:endParaRPr>
+          </a:p>
+        </p:txBody>
+      </p:sp>
+      <p:pic>
+        <p:nvPicPr>
+          <p:cNvPr id="9" name="그림 8"/>
+          <p:cNvPicPr>
+            <a:picLocks noChangeAspect="1"/>
+          </p:cNvPicPr>
+          <p:nvPr/>
+        </p:nvPicPr>
+        <p:blipFill>
+          <a:blip r:embed="rId2">
+            <a:extLst>
+              <a:ext uri="{28A0092B-C50C-407E-A947-70E740481C1C}">
+                <a14:useLocalDpi xmlns:a14="http://schemas.microsoft.com/office/drawing/2010/main" val="0"/>
+              </a:ext>
+            </a:extLst>
+          </a:blip>
+          <a:stretch>
+            <a:fillRect/>
+          </a:stretch>
+        </p:blipFill>
+        <p:spPr>
+          <a:xfrm>
+            <a:off x="2484721" y="1127536"/>
+            <a:ext cx="8054942" cy="4775959"/>
+          </a:xfrm>
+          <a:prstGeom prst="rect">
+            <a:avLst/>
+          </a:prstGeom>
+        </p:spPr>
+      </p:pic>
+    </p:spTree>
+    <p:extLst>
+      <p:ext uri="{BB962C8B-B14F-4D97-AF65-F5344CB8AC3E}">
+        <p14:creationId xmlns:p14="http://schemas.microsoft.com/office/powerpoint/2010/main" val="1604846935"/>
+      </p:ext>
+    </p:extLst>
+  </p:cSld>
+  <p:clrMapOvr>
+    <a:masterClrMapping/>
+  </p:clrMapOvr>
+  <p:timing>
+    <p:tnLst>
+      <p:par>
+        <p:cTn id="1" dur="indefinite" restart="never" nodeType="tmRoot"/>
+      </p:par>
+    </p:tnLst>
+  </p:timing>
+</p:sld>
+</file>
+
+<file path=ppt/slides/slide14.xml><?xml version="1.0" encoding="utf-8"?>
+<p:sld xmlns:a="http://schemas.openxmlformats.org/drawingml/2006/main" xmlns:r="http://schemas.openxmlformats.org/officeDocument/2006/relationships" xmlns:p="http://schemas.openxmlformats.org/presentationml/2006/main">
+  <p:cSld>
+    <p:spTree>
+      <p:nvGrpSpPr>
+        <p:cNvPr id="1" name=""/>
+        <p:cNvGrpSpPr/>
+        <p:nvPr/>
+      </p:nvGrpSpPr>
+      <p:grpSpPr>
+        <a:xfrm>
+          <a:off x="0" y="0"/>
+          <a:ext cx="0" cy="0"/>
+          <a:chOff x="0" y="0"/>
+          <a:chExt cx="0" cy="0"/>
+        </a:xfrm>
+      </p:grpSpPr>
+      <p:sp>
+        <p:nvSpPr>
+          <p:cNvPr id="5" name="직사각형 4"/>
+          <p:cNvSpPr/>
+          <p:nvPr/>
+        </p:nvSpPr>
+        <p:spPr>
+          <a:xfrm>
+            <a:off x="412307" y="252333"/>
+            <a:ext cx="3890809" cy="923330"/>
+          </a:xfrm>
+          <a:prstGeom prst="rect">
+            <a:avLst/>
+          </a:prstGeom>
+          <a:noFill/>
+        </p:spPr>
+        <p:txBody>
+          <a:bodyPr wrap="none" lIns="91440" tIns="45720" rIns="91440" bIns="45720">
+            <a:spAutoFit/>
+          </a:bodyPr>
+          <a:lstStyle/>
+          <a:p>
+            <a:pPr algn="ctr"/>
+            <a:r>
+              <a:rPr lang="ko-KR" altLang="en-US" sz="5400" b="0" cap="none" spc="0" dirty="0" smtClean="0">
+                <a:ln w="0"/>
+                <a:solidFill>
+                  <a:schemeClr val="accent1"/>
+                </a:solidFill>
+                <a:effectLst>
+                  <a:outerShdw blurRad="38100" dist="25400" dir="5400000" algn="ctr" rotWithShape="0">
+                    <a:srgbClr val="6E747A">
+                      <a:alpha val="43000"/>
+                    </a:srgbClr>
+                  </a:outerShdw>
+                </a:effectLst>
+              </a:rPr>
+              <a:t>명예의 전당</a:t>
+            </a:r>
+            <a:endParaRPr lang="en-US" altLang="ko-KR" sz="5400" b="0" cap="none" spc="0" dirty="0">
+              <a:ln w="0"/>
+              <a:solidFill>
+                <a:schemeClr val="accent1"/>
+              </a:solidFill>
+              <a:effectLst>
+                <a:outerShdw blurRad="38100" dist="25400" dir="5400000" algn="ctr" rotWithShape="0">
+                  <a:srgbClr val="6E747A">
+                    <a:alpha val="43000"/>
+                  </a:srgbClr>
+                </a:outerShdw>
+              </a:effectLst>
+            </a:endParaRPr>
+          </a:p>
+        </p:txBody>
+      </p:sp>
+      <p:pic>
+        <p:nvPicPr>
+          <p:cNvPr id="2" name="그림 1"/>
+          <p:cNvPicPr>
+            <a:picLocks noChangeAspect="1"/>
+          </p:cNvPicPr>
+          <p:nvPr/>
+        </p:nvPicPr>
+        <p:blipFill>
+          <a:blip r:embed="rId2">
+            <a:extLst>
+              <a:ext uri="{28A0092B-C50C-407E-A947-70E740481C1C}">
+                <a14:useLocalDpi xmlns:a14="http://schemas.microsoft.com/office/drawing/2010/main" val="0"/>
+              </a:ext>
+            </a:extLst>
+          </a:blip>
+          <a:stretch>
+            <a:fillRect/>
+          </a:stretch>
+        </p:blipFill>
+        <p:spPr>
+          <a:xfrm>
+            <a:off x="1719754" y="1331379"/>
+            <a:ext cx="9509720" cy="5366199"/>
+          </a:xfrm>
+          <a:prstGeom prst="rect">
+            <a:avLst/>
+          </a:prstGeom>
+        </p:spPr>
+      </p:pic>
+    </p:spTree>
+    <p:extLst>
+      <p:ext uri="{BB962C8B-B14F-4D97-AF65-F5344CB8AC3E}">
+        <p14:creationId xmlns:p14="http://schemas.microsoft.com/office/powerpoint/2010/main" val="2070318553"/>
+      </p:ext>
+    </p:extLst>
+  </p:cSld>
+  <p:clrMapOvr>
+    <a:masterClrMapping/>
+  </p:clrMapOvr>
+  <p:timing>
+    <p:tnLst>
+      <p:par>
+        <p:cTn id="1" dur="indefinite" restart="never" nodeType="tmRoot"/>
+      </p:par>
+    </p:tnLst>
+  </p:timing>
+</p:sld>
+</file>
+
+<file path=ppt/slides/slide2.xml><?xml version="1.0" encoding="utf-8"?>
 <p:sld xmlns:a="http://schemas.openxmlformats.org/drawingml/2006/main" xmlns:r="http://schemas.openxmlformats.org/officeDocument/2006/relationships" xmlns:p="http://schemas.openxmlformats.org/presentationml/2006/main">
   <p:cSld>
     <p:spTree>
@@ -4075,8 +3786,8 @@
         </p:blipFill>
         <p:spPr>
           <a:xfrm>
-            <a:off x="1148080" y="1322916"/>
-            <a:ext cx="10078720" cy="5406813"/>
+            <a:off x="2218439" y="1044696"/>
+            <a:ext cx="8331176" cy="6094041"/>
           </a:xfrm>
           <a:prstGeom prst="rect">
             <a:avLst/>
@@ -4091,8 +3802,8 @@
         </p:nvSpPr>
         <p:spPr>
           <a:xfrm>
-            <a:off x="81581" y="91440"/>
-            <a:ext cx="4826963" cy="923330"/>
+            <a:off x="648778" y="0"/>
+            <a:ext cx="1569661" cy="923330"/>
           </a:xfrm>
           <a:prstGeom prst="rect">
             <a:avLst/>
@@ -4120,7 +3831,7 @@
                   </a:outerShdw>
                 </a:effectLst>
               </a:rPr>
-              <a:t>질문 작성 완료</a:t>
+              <a:t>메인</a:t>
             </a:r>
             <a:endParaRPr lang="en-US" altLang="ko-KR" sz="5400" b="0" cap="none" spc="0" dirty="0">
               <a:ln w="0"/>
@@ -4141,13 +3852,516 @@
     </p:spTree>
     <p:extLst>
       <p:ext uri="{BB962C8B-B14F-4D97-AF65-F5344CB8AC3E}">
-        <p14:creationId xmlns:p14="http://schemas.microsoft.com/office/powerpoint/2010/main" val="2905228592"/>
+        <p14:creationId xmlns:p14="http://schemas.microsoft.com/office/powerpoint/2010/main" val="974458749"/>
       </p:ext>
     </p:extLst>
   </p:cSld>
   <p:clrMapOvr>
     <a:masterClrMapping/>
   </p:clrMapOvr>
+  <p:timing>
+    <p:tnLst>
+      <p:par>
+        <p:cTn id="1" dur="indefinite" restart="never" nodeType="tmRoot"/>
+      </p:par>
+    </p:tnLst>
+  </p:timing>
+</p:sld>
+</file>
+
+<file path=ppt/slides/slide3.xml><?xml version="1.0" encoding="utf-8"?>
+<p:sld xmlns:a="http://schemas.openxmlformats.org/drawingml/2006/main" xmlns:r="http://schemas.openxmlformats.org/officeDocument/2006/relationships" xmlns:p="http://schemas.openxmlformats.org/presentationml/2006/main">
+  <p:cSld>
+    <p:spTree>
+      <p:nvGrpSpPr>
+        <p:cNvPr id="1" name=""/>
+        <p:cNvGrpSpPr/>
+        <p:nvPr/>
+      </p:nvGrpSpPr>
+      <p:grpSpPr>
+        <a:xfrm>
+          <a:off x="0" y="0"/>
+          <a:ext cx="0" cy="0"/>
+          <a:chOff x="0" y="0"/>
+          <a:chExt cx="0" cy="0"/>
+        </a:xfrm>
+      </p:grpSpPr>
+      <p:sp>
+        <p:nvSpPr>
+          <p:cNvPr id="2" name="제목 1"/>
+          <p:cNvSpPr>
+            <a:spLocks noGrp="1"/>
+          </p:cNvSpPr>
+          <p:nvPr>
+            <p:ph type="ctrTitle"/>
+          </p:nvPr>
+        </p:nvSpPr>
+        <p:spPr/>
+        <p:txBody>
+          <a:bodyPr/>
+          <a:lstStyle/>
+          <a:p>
+            <a:r>
+              <a:rPr lang="en-US" altLang="ko-KR" b="1" dirty="0" smtClean="0"/>
+              <a:t>ACCOUNTS</a:t>
+            </a:r>
+            <a:endParaRPr lang="ko-KR" altLang="en-US" b="1" dirty="0"/>
+          </a:p>
+        </p:txBody>
+      </p:sp>
+    </p:spTree>
+    <p:extLst>
+      <p:ext uri="{BB962C8B-B14F-4D97-AF65-F5344CB8AC3E}">
+        <p14:creationId xmlns:p14="http://schemas.microsoft.com/office/powerpoint/2010/main" val="3909058247"/>
+      </p:ext>
+    </p:extLst>
+  </p:cSld>
+  <p:clrMapOvr>
+    <a:masterClrMapping/>
+  </p:clrMapOvr>
+  <p:timing>
+    <p:tnLst>
+      <p:par>
+        <p:cTn id="1" dur="indefinite" restart="never" nodeType="tmRoot"/>
+      </p:par>
+    </p:tnLst>
+  </p:timing>
+</p:sld>
+</file>
+
+<file path=ppt/slides/slide4.xml><?xml version="1.0" encoding="utf-8"?>
+<p:sld xmlns:a="http://schemas.openxmlformats.org/drawingml/2006/main" xmlns:r="http://schemas.openxmlformats.org/officeDocument/2006/relationships" xmlns:p="http://schemas.openxmlformats.org/presentationml/2006/main">
+  <p:cSld>
+    <p:spTree>
+      <p:nvGrpSpPr>
+        <p:cNvPr id="1" name=""/>
+        <p:cNvGrpSpPr/>
+        <p:nvPr/>
+      </p:nvGrpSpPr>
+      <p:grpSpPr>
+        <a:xfrm>
+          <a:off x="0" y="0"/>
+          <a:ext cx="0" cy="0"/>
+          <a:chOff x="0" y="0"/>
+          <a:chExt cx="0" cy="0"/>
+        </a:xfrm>
+      </p:grpSpPr>
+      <p:sp>
+        <p:nvSpPr>
+          <p:cNvPr id="9" name="직사각형 8"/>
+          <p:cNvSpPr/>
+          <p:nvPr/>
+        </p:nvSpPr>
+        <p:spPr>
+          <a:xfrm>
+            <a:off x="368301" y="0"/>
+            <a:ext cx="2262159" cy="923330"/>
+          </a:xfrm>
+          <a:prstGeom prst="rect">
+            <a:avLst/>
+          </a:prstGeom>
+          <a:noFill/>
+        </p:spPr>
+        <p:txBody>
+          <a:bodyPr wrap="none" lIns="91440" tIns="45720" rIns="91440" bIns="45720">
+            <a:spAutoFit/>
+          </a:bodyPr>
+          <a:lstStyle/>
+          <a:p>
+            <a:pPr algn="ctr"/>
+            <a:r>
+              <a:rPr lang="ko-KR" altLang="en-US" sz="5400" dirty="0" smtClean="0">
+                <a:ln w="0"/>
+                <a:solidFill>
+                  <a:schemeClr val="accent1"/>
+                </a:solidFill>
+                <a:effectLst>
+                  <a:outerShdw blurRad="38100" dist="25400" dir="5400000" algn="ctr" rotWithShape="0">
+                    <a:srgbClr val="6E747A">
+                      <a:alpha val="43000"/>
+                    </a:srgbClr>
+                  </a:outerShdw>
+                </a:effectLst>
+              </a:rPr>
+              <a:t>프로필</a:t>
+            </a:r>
+            <a:endParaRPr lang="en-US" altLang="ko-KR" sz="5400" b="0" cap="none" spc="0" dirty="0">
+              <a:ln w="0"/>
+              <a:solidFill>
+                <a:schemeClr val="accent1"/>
+              </a:solidFill>
+              <a:effectLst>
+                <a:outerShdw blurRad="38100" dist="25400" dir="5400000" algn="ctr" rotWithShape="0">
+                  <a:srgbClr val="6E747A">
+                    <a:alpha val="43000"/>
+                  </a:srgbClr>
+                </a:outerShdw>
+              </a:effectLst>
+            </a:endParaRPr>
+          </a:p>
+        </p:txBody>
+      </p:sp>
+      <p:pic>
+        <p:nvPicPr>
+          <p:cNvPr id="6" name="그림 5"/>
+          <p:cNvPicPr>
+            <a:picLocks noChangeAspect="1"/>
+          </p:cNvPicPr>
+          <p:nvPr/>
+        </p:nvPicPr>
+        <p:blipFill rotWithShape="1">
+          <a:blip r:embed="rId2" cstate="print">
+            <a:extLst>
+              <a:ext uri="{28A0092B-C50C-407E-A947-70E740481C1C}">
+                <a14:useLocalDpi xmlns:a14="http://schemas.microsoft.com/office/drawing/2010/main" val="0"/>
+              </a:ext>
+            </a:extLst>
+          </a:blip>
+          <a:srcRect b="18362"/>
+          <a:stretch/>
+        </p:blipFill>
+        <p:spPr>
+          <a:xfrm>
+            <a:off x="3780652" y="1090862"/>
+            <a:ext cx="4117349" cy="5598695"/>
+          </a:xfrm>
+          <a:prstGeom prst="rect">
+            <a:avLst/>
+          </a:prstGeom>
+        </p:spPr>
+      </p:pic>
+    </p:spTree>
+    <p:extLst>
+      <p:ext uri="{BB962C8B-B14F-4D97-AF65-F5344CB8AC3E}">
+        <p14:creationId xmlns:p14="http://schemas.microsoft.com/office/powerpoint/2010/main" val="507488180"/>
+      </p:ext>
+    </p:extLst>
+  </p:cSld>
+  <p:clrMapOvr>
+    <a:masterClrMapping/>
+  </p:clrMapOvr>
+  <p:timing>
+    <p:tnLst>
+      <p:par>
+        <p:cTn id="1" dur="indefinite" restart="never" nodeType="tmRoot"/>
+      </p:par>
+    </p:tnLst>
+  </p:timing>
+</p:sld>
+</file>
+
+<file path=ppt/slides/slide5.xml><?xml version="1.0" encoding="utf-8"?>
+<p:sld xmlns:a="http://schemas.openxmlformats.org/drawingml/2006/main" xmlns:r="http://schemas.openxmlformats.org/officeDocument/2006/relationships" xmlns:p="http://schemas.openxmlformats.org/presentationml/2006/main">
+  <p:cSld>
+    <p:spTree>
+      <p:nvGrpSpPr>
+        <p:cNvPr id="1" name=""/>
+        <p:cNvGrpSpPr/>
+        <p:nvPr/>
+      </p:nvGrpSpPr>
+      <p:grpSpPr>
+        <a:xfrm>
+          <a:off x="0" y="0"/>
+          <a:ext cx="0" cy="0"/>
+          <a:chOff x="0" y="0"/>
+          <a:chExt cx="0" cy="0"/>
+        </a:xfrm>
+      </p:grpSpPr>
+      <p:sp>
+        <p:nvSpPr>
+          <p:cNvPr id="5" name="직사각형 4"/>
+          <p:cNvSpPr/>
+          <p:nvPr/>
+        </p:nvSpPr>
+        <p:spPr>
+          <a:xfrm>
+            <a:off x="302529" y="0"/>
+            <a:ext cx="2262159" cy="923330"/>
+          </a:xfrm>
+          <a:prstGeom prst="rect">
+            <a:avLst/>
+          </a:prstGeom>
+          <a:noFill/>
+        </p:spPr>
+        <p:txBody>
+          <a:bodyPr wrap="none" lIns="91440" tIns="45720" rIns="91440" bIns="45720">
+            <a:spAutoFit/>
+          </a:bodyPr>
+          <a:lstStyle/>
+          <a:p>
+            <a:pPr algn="ctr"/>
+            <a:r>
+              <a:rPr lang="ko-KR" altLang="en-US" sz="5400" b="0" cap="none" spc="0" dirty="0" smtClean="0">
+                <a:ln w="0"/>
+                <a:solidFill>
+                  <a:schemeClr val="accent1"/>
+                </a:solidFill>
+                <a:effectLst>
+                  <a:outerShdw blurRad="38100" dist="25400" dir="5400000" algn="ctr" rotWithShape="0">
+                    <a:srgbClr val="6E747A">
+                      <a:alpha val="43000"/>
+                    </a:srgbClr>
+                  </a:outerShdw>
+                </a:effectLst>
+              </a:rPr>
+              <a:t>로그인</a:t>
+            </a:r>
+            <a:endParaRPr lang="en-US" altLang="ko-KR" sz="5400" b="0" cap="none" spc="0" dirty="0">
+              <a:ln w="0"/>
+              <a:solidFill>
+                <a:schemeClr val="accent1"/>
+              </a:solidFill>
+              <a:effectLst>
+                <a:outerShdw blurRad="38100" dist="25400" dir="5400000" algn="ctr" rotWithShape="0">
+                  <a:srgbClr val="6E747A">
+                    <a:alpha val="43000"/>
+                  </a:srgbClr>
+                </a:outerShdw>
+              </a:effectLst>
+            </a:endParaRPr>
+          </a:p>
+        </p:txBody>
+      </p:sp>
+      <p:pic>
+        <p:nvPicPr>
+          <p:cNvPr id="2" name="그림 1"/>
+          <p:cNvPicPr>
+            <a:picLocks noChangeAspect="1"/>
+          </p:cNvPicPr>
+          <p:nvPr/>
+        </p:nvPicPr>
+        <p:blipFill>
+          <a:blip r:embed="rId2">
+            <a:extLst>
+              <a:ext uri="{28A0092B-C50C-407E-A947-70E740481C1C}">
+                <a14:useLocalDpi xmlns:a14="http://schemas.microsoft.com/office/drawing/2010/main" val="0"/>
+              </a:ext>
+            </a:extLst>
+          </a:blip>
+          <a:stretch>
+            <a:fillRect/>
+          </a:stretch>
+        </p:blipFill>
+        <p:spPr>
+          <a:xfrm>
+            <a:off x="302529" y="1335959"/>
+            <a:ext cx="11621954" cy="6858000"/>
+          </a:xfrm>
+          <a:prstGeom prst="rect">
+            <a:avLst/>
+          </a:prstGeom>
+        </p:spPr>
+      </p:pic>
+    </p:spTree>
+    <p:extLst>
+      <p:ext uri="{BB962C8B-B14F-4D97-AF65-F5344CB8AC3E}">
+        <p14:creationId xmlns:p14="http://schemas.microsoft.com/office/powerpoint/2010/main" val="2531913454"/>
+      </p:ext>
+    </p:extLst>
+  </p:cSld>
+  <p:clrMapOvr>
+    <a:masterClrMapping/>
+  </p:clrMapOvr>
+  <p:timing>
+    <p:tnLst>
+      <p:par>
+        <p:cTn id="1" dur="indefinite" restart="never" nodeType="tmRoot"/>
+      </p:par>
+    </p:tnLst>
+  </p:timing>
+</p:sld>
+</file>
+
+<file path=ppt/slides/slide6.xml><?xml version="1.0" encoding="utf-8"?>
+<p:sld xmlns:a="http://schemas.openxmlformats.org/drawingml/2006/main" xmlns:r="http://schemas.openxmlformats.org/officeDocument/2006/relationships" xmlns:p="http://schemas.openxmlformats.org/presentationml/2006/main">
+  <p:cSld>
+    <p:spTree>
+      <p:nvGrpSpPr>
+        <p:cNvPr id="1" name=""/>
+        <p:cNvGrpSpPr/>
+        <p:nvPr/>
+      </p:nvGrpSpPr>
+      <p:grpSpPr>
+        <a:xfrm>
+          <a:off x="0" y="0"/>
+          <a:ext cx="0" cy="0"/>
+          <a:chOff x="0" y="0"/>
+          <a:chExt cx="0" cy="0"/>
+        </a:xfrm>
+      </p:grpSpPr>
+      <p:sp>
+        <p:nvSpPr>
+          <p:cNvPr id="5" name="직사각형 4"/>
+          <p:cNvSpPr/>
+          <p:nvPr/>
+        </p:nvSpPr>
+        <p:spPr>
+          <a:xfrm>
+            <a:off x="302529" y="0"/>
+            <a:ext cx="2262159" cy="923330"/>
+          </a:xfrm>
+          <a:prstGeom prst="rect">
+            <a:avLst/>
+          </a:prstGeom>
+          <a:noFill/>
+        </p:spPr>
+        <p:txBody>
+          <a:bodyPr wrap="none" lIns="91440" tIns="45720" rIns="91440" bIns="45720">
+            <a:spAutoFit/>
+          </a:bodyPr>
+          <a:lstStyle/>
+          <a:p>
+            <a:pPr algn="ctr"/>
+            <a:r>
+              <a:rPr lang="ko-KR" altLang="en-US" sz="5400" b="0" cap="none" spc="0" dirty="0" smtClean="0">
+                <a:ln w="0"/>
+                <a:solidFill>
+                  <a:schemeClr val="accent1"/>
+                </a:solidFill>
+                <a:effectLst>
+                  <a:outerShdw blurRad="38100" dist="25400" dir="5400000" algn="ctr" rotWithShape="0">
+                    <a:srgbClr val="6E747A">
+                      <a:alpha val="43000"/>
+                    </a:srgbClr>
+                  </a:outerShdw>
+                </a:effectLst>
+              </a:rPr>
+              <a:t>로그인</a:t>
+            </a:r>
+            <a:endParaRPr lang="en-US" altLang="ko-KR" sz="5400" b="0" cap="none" spc="0" dirty="0">
+              <a:ln w="0"/>
+              <a:solidFill>
+                <a:schemeClr val="accent1"/>
+              </a:solidFill>
+              <a:effectLst>
+                <a:outerShdw blurRad="38100" dist="25400" dir="5400000" algn="ctr" rotWithShape="0">
+                  <a:srgbClr val="6E747A">
+                    <a:alpha val="43000"/>
+                  </a:srgbClr>
+                </a:outerShdw>
+              </a:effectLst>
+            </a:endParaRPr>
+          </a:p>
+        </p:txBody>
+      </p:sp>
+      <p:sp>
+        <p:nvSpPr>
+          <p:cNvPr id="12" name="직사각형 11"/>
+          <p:cNvSpPr/>
+          <p:nvPr/>
+        </p:nvSpPr>
+        <p:spPr>
+          <a:xfrm>
+            <a:off x="3594054" y="276999"/>
+            <a:ext cx="4201791" cy="646331"/>
+          </a:xfrm>
+          <a:prstGeom prst="rect">
+            <a:avLst/>
+          </a:prstGeom>
+          <a:noFill/>
+        </p:spPr>
+        <p:txBody>
+          <a:bodyPr wrap="none" lIns="91440" tIns="45720" rIns="91440" bIns="45720">
+            <a:spAutoFit/>
+          </a:bodyPr>
+          <a:lstStyle/>
+          <a:p>
+            <a:pPr algn="ctr"/>
+            <a:r>
+              <a:rPr lang="ko-KR" altLang="en-US" sz="3600" b="0" cap="none" spc="0" dirty="0" smtClean="0">
+                <a:ln w="0"/>
+                <a:solidFill>
+                  <a:schemeClr val="tx1"/>
+                </a:solidFill>
+                <a:effectLst>
+                  <a:outerShdw blurRad="38100" dist="19050" dir="2700000" algn="tl" rotWithShape="0">
+                    <a:schemeClr val="dk1">
+                      <a:alpha val="40000"/>
+                    </a:schemeClr>
+                  </a:outerShdw>
+                </a:effectLst>
+              </a:rPr>
+              <a:t>비 로그인시 </a:t>
+            </a:r>
+            <a:r>
+              <a:rPr lang="ko-KR" altLang="en-US" sz="3600" b="0" cap="none" spc="0" dirty="0" err="1" smtClean="0">
+                <a:ln w="0"/>
+                <a:solidFill>
+                  <a:schemeClr val="tx1"/>
+                </a:solidFill>
+                <a:effectLst>
+                  <a:outerShdw blurRad="38100" dist="19050" dir="2700000" algn="tl" rotWithShape="0">
+                    <a:schemeClr val="dk1">
+                      <a:alpha val="40000"/>
+                    </a:schemeClr>
+                  </a:outerShdw>
+                </a:effectLst>
+              </a:rPr>
+              <a:t>메뉴바</a:t>
+            </a:r>
+            <a:endParaRPr lang="en-US" altLang="ko-KR" sz="3600" b="0" cap="none" spc="0" dirty="0">
+              <a:ln w="0"/>
+              <a:solidFill>
+                <a:schemeClr val="tx1"/>
+              </a:solidFill>
+              <a:effectLst>
+                <a:outerShdw blurRad="38100" dist="19050" dir="2700000" algn="tl" rotWithShape="0">
+                  <a:schemeClr val="dk1">
+                    <a:alpha val="40000"/>
+                  </a:schemeClr>
+                </a:outerShdw>
+              </a:effectLst>
+            </a:endParaRPr>
+          </a:p>
+        </p:txBody>
+      </p:sp>
+      <p:pic>
+        <p:nvPicPr>
+          <p:cNvPr id="13" name="그림 12"/>
+          <p:cNvPicPr>
+            <a:picLocks noChangeAspect="1"/>
+          </p:cNvPicPr>
+          <p:nvPr/>
+        </p:nvPicPr>
+        <p:blipFill>
+          <a:blip r:embed="rId2" cstate="print">
+            <a:extLst>
+              <a:ext uri="{28A0092B-C50C-407E-A947-70E740481C1C}">
+                <a14:useLocalDpi xmlns:a14="http://schemas.microsoft.com/office/drawing/2010/main" val="0"/>
+              </a:ext>
+            </a:extLst>
+          </a:blip>
+          <a:stretch>
+            <a:fillRect/>
+          </a:stretch>
+        </p:blipFill>
+        <p:spPr>
+          <a:xfrm>
+            <a:off x="2758025" y="923330"/>
+            <a:ext cx="5873847" cy="5573723"/>
+          </a:xfrm>
+          <a:prstGeom prst="rect">
+            <a:avLst/>
+          </a:prstGeom>
+        </p:spPr>
+      </p:pic>
+    </p:spTree>
+    <p:extLst>
+      <p:ext uri="{BB962C8B-B14F-4D97-AF65-F5344CB8AC3E}">
+        <p14:creationId xmlns:p14="http://schemas.microsoft.com/office/powerpoint/2010/main" val="3051086011"/>
+      </p:ext>
+    </p:extLst>
+  </p:cSld>
+  <p:clrMapOvr>
+    <a:masterClrMapping/>
+  </p:clrMapOvr>
+  <p:timing>
+    <p:tnLst>
+      <p:par>
+        <p:cTn id="1" dur="indefinite" restart="never" nodeType="tmRoot"/>
+      </p:par>
+    </p:tnLst>
+  </p:timing>
 </p:sld>
 </file>
 
@@ -4168,46 +4382,16 @@
           <a:chExt cx="0" cy="0"/>
         </a:xfrm>
       </p:grpSpPr>
-      <p:pic>
-        <p:nvPicPr>
-          <p:cNvPr id="5" name="그림 4"/>
-          <p:cNvPicPr>
-            <a:picLocks noChangeAspect="1"/>
-          </p:cNvPicPr>
+      <p:sp>
+        <p:nvSpPr>
+          <p:cNvPr id="5" name="직사각형 4"/>
+          <p:cNvSpPr/>
           <p:nvPr/>
-        </p:nvPicPr>
-        <p:blipFill>
-          <a:blip r:embed="rId2">
-            <a:extLst>
-              <a:ext uri="{28A0092B-C50C-407E-A947-70E740481C1C}">
-                <a14:useLocalDpi xmlns:a14="http://schemas.microsoft.com/office/drawing/2010/main" val="0"/>
-              </a:ext>
-            </a:extLst>
-          </a:blip>
-          <a:stretch>
-            <a:fillRect/>
-          </a:stretch>
-        </p:blipFill>
+        </p:nvSpPr>
         <p:spPr>
           <a:xfrm>
-            <a:off x="944880" y="1014770"/>
-            <a:ext cx="10718800" cy="5750190"/>
-          </a:xfrm>
-          <a:prstGeom prst="rect">
-            <a:avLst/>
-          </a:prstGeom>
-        </p:spPr>
-      </p:pic>
-      <p:sp>
-        <p:nvSpPr>
-          <p:cNvPr id="6" name="직사각형 5"/>
-          <p:cNvSpPr/>
-          <p:nvPr/>
-        </p:nvSpPr>
-        <p:spPr>
-          <a:xfrm>
-            <a:off x="549659" y="91440"/>
-            <a:ext cx="3890809" cy="923330"/>
+            <a:off x="302529" y="0"/>
+            <a:ext cx="2262159" cy="923330"/>
           </a:xfrm>
           <a:prstGeom prst="rect">
             <a:avLst/>
@@ -4235,7 +4419,7 @@
                   </a:outerShdw>
                 </a:effectLst>
               </a:rPr>
-              <a:t>상세 페이지</a:t>
+              <a:t>로그인</a:t>
             </a:r>
             <a:endParaRPr lang="en-US" altLang="ko-KR" sz="5400" b="0" cap="none" spc="0" dirty="0">
               <a:ln w="0"/>
@@ -4253,16 +4437,123 @@
           </a:p>
         </p:txBody>
       </p:sp>
+      <p:sp>
+        <p:nvSpPr>
+          <p:cNvPr id="12" name="직사각형 11"/>
+          <p:cNvSpPr/>
+          <p:nvPr/>
+        </p:nvSpPr>
+        <p:spPr>
+          <a:xfrm>
+            <a:off x="3905837" y="689628"/>
+            <a:ext cx="3578224" cy="646331"/>
+          </a:xfrm>
+          <a:prstGeom prst="rect">
+            <a:avLst/>
+          </a:prstGeom>
+          <a:noFill/>
+        </p:spPr>
+        <p:txBody>
+          <a:bodyPr wrap="none" lIns="91440" tIns="45720" rIns="91440" bIns="45720">
+            <a:spAutoFit/>
+          </a:bodyPr>
+          <a:lstStyle/>
+          <a:p>
+            <a:pPr algn="ctr"/>
+            <a:r>
+              <a:rPr lang="ko-KR" altLang="en-US" sz="3600" b="0" cap="none" spc="0" dirty="0" smtClean="0">
+                <a:ln w="0"/>
+                <a:solidFill>
+                  <a:schemeClr val="tx1"/>
+                </a:solidFill>
+                <a:effectLst>
+                  <a:outerShdw blurRad="38100" dist="19050" dir="2700000" algn="tl" rotWithShape="0">
+                    <a:schemeClr val="dk1">
+                      <a:alpha val="40000"/>
+                    </a:schemeClr>
+                  </a:outerShdw>
+                </a:effectLst>
+              </a:rPr>
+              <a:t>로그인시 </a:t>
+            </a:r>
+            <a:r>
+              <a:rPr lang="ko-KR" altLang="en-US" sz="3600" b="0" cap="none" spc="0" dirty="0" err="1" smtClean="0">
+                <a:ln w="0"/>
+                <a:solidFill>
+                  <a:schemeClr val="tx1"/>
+                </a:solidFill>
+                <a:effectLst>
+                  <a:outerShdw blurRad="38100" dist="19050" dir="2700000" algn="tl" rotWithShape="0">
+                    <a:schemeClr val="dk1">
+                      <a:alpha val="40000"/>
+                    </a:schemeClr>
+                  </a:outerShdw>
+                </a:effectLst>
+              </a:rPr>
+              <a:t>메뉴바</a:t>
+            </a:r>
+            <a:endParaRPr lang="en-US" altLang="ko-KR" sz="3600" b="0" cap="none" spc="0" dirty="0">
+              <a:ln w="0"/>
+              <a:solidFill>
+                <a:schemeClr val="tx1"/>
+              </a:solidFill>
+              <a:effectLst>
+                <a:outerShdw blurRad="38100" dist="19050" dir="2700000" algn="tl" rotWithShape="0">
+                  <a:schemeClr val="dk1">
+                    <a:alpha val="40000"/>
+                  </a:schemeClr>
+                </a:outerShdw>
+              </a:effectLst>
+            </a:endParaRPr>
+          </a:p>
+        </p:txBody>
+      </p:sp>
+      <p:pic>
+        <p:nvPicPr>
+          <p:cNvPr id="4" name="그림 3"/>
+          <p:cNvPicPr>
+            <a:picLocks noChangeAspect="1"/>
+          </p:cNvPicPr>
+          <p:nvPr/>
+        </p:nvPicPr>
+        <p:blipFill rotWithShape="1">
+          <a:blip r:embed="rId2" cstate="print">
+            <a:extLst>
+              <a:ext uri="{28A0092B-C50C-407E-A947-70E740481C1C}">
+                <a14:useLocalDpi xmlns:a14="http://schemas.microsoft.com/office/drawing/2010/main" val="0"/>
+              </a:ext>
+            </a:extLst>
+          </a:blip>
+          <a:srcRect b="31293"/>
+          <a:stretch/>
+        </p:blipFill>
+        <p:spPr>
+          <a:xfrm>
+            <a:off x="2356139" y="1335959"/>
+            <a:ext cx="7237039" cy="5363024"/>
+          </a:xfrm>
+          <a:prstGeom prst="rect">
+            <a:avLst/>
+          </a:prstGeom>
+        </p:spPr>
+      </p:pic>
     </p:spTree>
     <p:extLst>
       <p:ext uri="{BB962C8B-B14F-4D97-AF65-F5344CB8AC3E}">
-        <p14:creationId xmlns:p14="http://schemas.microsoft.com/office/powerpoint/2010/main" val="427292192"/>
+        <p14:creationId xmlns:p14="http://schemas.microsoft.com/office/powerpoint/2010/main" val="3824885454"/>
       </p:ext>
     </p:extLst>
   </p:cSld>
   <p:clrMapOvr>
     <a:masterClrMapping/>
   </p:clrMapOvr>
+  <p:timing>
+    <p:tnLst>
+      <p:par>
+        <p:cTn id="1" dur="indefinite" restart="never" nodeType="tmRoot"/>
+      </p:par>
+    </p:tnLst>
+  </p:timing>
 </p:sld>
 </file>
 
@@ -4283,45 +4574,16 @@
           <a:chExt cx="0" cy="0"/>
         </a:xfrm>
       </p:grpSpPr>
-      <p:pic>
-        <p:nvPicPr>
-          <p:cNvPr id="2" name="그림 1"/>
-          <p:cNvPicPr>
-            <a:picLocks noChangeAspect="1"/>
-          </p:cNvPicPr>
+      <p:sp>
+        <p:nvSpPr>
+          <p:cNvPr id="4" name="직사각형 3"/>
+          <p:cNvSpPr/>
           <p:nvPr/>
-        </p:nvPicPr>
-        <p:blipFill rotWithShape="1">
-          <a:blip r:embed="rId2">
-            <a:extLst>
-              <a:ext uri="{28A0092B-C50C-407E-A947-70E740481C1C}">
-                <a14:useLocalDpi xmlns:a14="http://schemas.microsoft.com/office/drawing/2010/main" val="0"/>
-              </a:ext>
-            </a:extLst>
-          </a:blip>
-          <a:srcRect l="23241" r="14225"/>
-          <a:stretch/>
-        </p:blipFill>
+        </p:nvSpPr>
         <p:spPr>
           <a:xfrm>
-            <a:off x="6113931" y="1777697"/>
-            <a:ext cx="5677370" cy="4870451"/>
-          </a:xfrm>
-          <a:prstGeom prst="rect">
-            <a:avLst/>
-          </a:prstGeom>
-        </p:spPr>
-      </p:pic>
-      <p:sp>
-        <p:nvSpPr>
-          <p:cNvPr id="5" name="직사각형 4"/>
-          <p:cNvSpPr/>
-          <p:nvPr/>
-        </p:nvSpPr>
-        <p:spPr>
-          <a:xfrm>
-            <a:off x="179086" y="172122"/>
-            <a:ext cx="5519461" cy="923330"/>
+            <a:off x="459026" y="0"/>
+            <a:ext cx="3198311" cy="923330"/>
           </a:xfrm>
           <a:prstGeom prst="rect">
             <a:avLst/>
@@ -4349,23 +4611,7 @@
                   </a:outerShdw>
                 </a:effectLst>
               </a:rPr>
-              <a:t>상세 </a:t>
-            </a:r>
-            <a:r>
-              <a:rPr lang="ko-KR" altLang="en-US" sz="5400" b="0" cap="none" spc="0" dirty="0" smtClean="0">
-                <a:ln w="0"/>
-                <a:solidFill>
-                  <a:schemeClr val="accent1"/>
-                </a:solidFill>
-                <a:effectLst>
-                  <a:outerShdw blurRad="38100" dist="25400" dir="5400000" algn="ctr" rotWithShape="0">
-                    <a:srgbClr val="6E747A">
-                      <a:alpha val="43000"/>
-                    </a:srgbClr>
-                  </a:outerShdw>
-                </a:effectLst>
-              </a:rPr>
-              <a:t>페이지 삭제</a:t>
+              <a:t>회원 가입</a:t>
             </a:r>
             <a:endParaRPr lang="en-US" altLang="ko-KR" sz="5400" b="0" cap="none" spc="0" dirty="0">
               <a:ln w="0"/>
@@ -4385,103 +4631,51 @@
       </p:sp>
       <p:pic>
         <p:nvPicPr>
-          <p:cNvPr id="3" name="그림 2"/>
+          <p:cNvPr id="2" name="그림 1"/>
           <p:cNvPicPr>
             <a:picLocks noChangeAspect="1"/>
           </p:cNvPicPr>
           <p:nvPr/>
         </p:nvPicPr>
-        <p:blipFill rotWithShape="1">
-          <a:blip r:embed="rId3">
+        <p:blipFill>
+          <a:blip r:embed="rId2">
             <a:extLst>
               <a:ext uri="{28A0092B-C50C-407E-A947-70E740481C1C}">
                 <a14:useLocalDpi xmlns:a14="http://schemas.microsoft.com/office/drawing/2010/main" val="0"/>
               </a:ext>
             </a:extLst>
           </a:blip>
-          <a:srcRect l="26418" r="17342"/>
-          <a:stretch/>
+          <a:stretch>
+            <a:fillRect/>
+          </a:stretch>
         </p:blipFill>
         <p:spPr>
           <a:xfrm>
-            <a:off x="363071" y="1777696"/>
-            <a:ext cx="4846654" cy="4623103"/>
+            <a:off x="882837" y="923330"/>
+            <a:ext cx="10522580" cy="6858000"/>
           </a:xfrm>
           <a:prstGeom prst="rect">
             <a:avLst/>
           </a:prstGeom>
         </p:spPr>
       </p:pic>
-      <p:sp>
-        <p:nvSpPr>
-          <p:cNvPr id="7" name="TextBox 6"/>
-          <p:cNvSpPr txBox="1"/>
-          <p:nvPr/>
-        </p:nvSpPr>
-        <p:spPr>
-          <a:xfrm>
-            <a:off x="363071" y="1251908"/>
-            <a:ext cx="2589170" cy="369332"/>
-          </a:xfrm>
-          <a:prstGeom prst="rect">
-            <a:avLst/>
-          </a:prstGeom>
-          <a:noFill/>
-        </p:spPr>
-        <p:txBody>
-          <a:bodyPr wrap="none" rtlCol="0">
-            <a:spAutoFit/>
-          </a:bodyPr>
-          <a:lstStyle/>
-          <a:p>
-            <a:r>
-              <a:rPr lang="ko-KR" altLang="en-US" b="1" dirty="0" smtClean="0"/>
-              <a:t>본인 아닐 시 삭제 실패</a:t>
-            </a:r>
-            <a:endParaRPr lang="ko-KR" altLang="en-US" b="1" dirty="0"/>
-          </a:p>
-        </p:txBody>
-      </p:sp>
-      <p:sp>
-        <p:nvSpPr>
-          <p:cNvPr id="8" name="TextBox 7"/>
-          <p:cNvSpPr txBox="1"/>
-          <p:nvPr/>
-        </p:nvSpPr>
-        <p:spPr>
-          <a:xfrm>
-            <a:off x="5961530" y="1251908"/>
-            <a:ext cx="1189749" cy="369332"/>
-          </a:xfrm>
-          <a:prstGeom prst="rect">
-            <a:avLst/>
-          </a:prstGeom>
-          <a:noFill/>
-        </p:spPr>
-        <p:txBody>
-          <a:bodyPr wrap="none" rtlCol="0">
-            <a:spAutoFit/>
-          </a:bodyPr>
-          <a:lstStyle/>
-          <a:p>
-            <a:r>
-              <a:rPr lang="ko-KR" altLang="en-US" b="1" dirty="0" smtClean="0"/>
-              <a:t>삭제 성공</a:t>
-            </a:r>
-            <a:endParaRPr lang="ko-KR" altLang="en-US" b="1" dirty="0"/>
-          </a:p>
-        </p:txBody>
-      </p:sp>
     </p:spTree>
     <p:extLst>
       <p:ext uri="{BB962C8B-B14F-4D97-AF65-F5344CB8AC3E}">
-        <p14:creationId xmlns:p14="http://schemas.microsoft.com/office/powerpoint/2010/main" val="1604846935"/>
+        <p14:creationId xmlns:p14="http://schemas.microsoft.com/office/powerpoint/2010/main" val="19355574"/>
       </p:ext>
     </p:extLst>
   </p:cSld>
   <p:clrMapOvr>
     <a:masterClrMapping/>
   </p:clrMapOvr>
+  <p:timing>
+    <p:tnLst>
+      <p:par>
+        <p:cTn id="1" dur="indefinite" restart="never" nodeType="tmRoot"/>
+      </p:par>
+    </p:tnLst>
+  </p:timing>
 </p:sld>
 </file>
 
@@ -4502,117 +4696,46 @@
           <a:chExt cx="0" cy="0"/>
         </a:xfrm>
       </p:grpSpPr>
-      <p:pic>
-        <p:nvPicPr>
-          <p:cNvPr id="4" name="그림 3"/>
-          <p:cNvPicPr>
-            <a:picLocks noChangeAspect="1"/>
-          </p:cNvPicPr>
-          <p:nvPr/>
-        </p:nvPicPr>
-        <p:blipFill>
-          <a:blip r:embed="rId2">
-            <a:extLst>
-              <a:ext uri="{28A0092B-C50C-407E-A947-70E740481C1C}">
-                <a14:useLocalDpi xmlns:a14="http://schemas.microsoft.com/office/drawing/2010/main" val="0"/>
-              </a:ext>
-            </a:extLst>
-          </a:blip>
-          <a:stretch>
-            <a:fillRect/>
-          </a:stretch>
-        </p:blipFill>
-        <p:spPr>
-          <a:xfrm>
-            <a:off x="941293" y="1095452"/>
-            <a:ext cx="10448365" cy="5605113"/>
-          </a:xfrm>
-          <a:prstGeom prst="rect">
-            <a:avLst/>
-          </a:prstGeom>
-        </p:spPr>
-      </p:pic>
-      <p:sp>
-        <p:nvSpPr>
-          <p:cNvPr id="5" name="직사각형 4"/>
-          <p:cNvSpPr/>
-          <p:nvPr/>
-        </p:nvSpPr>
-        <p:spPr>
-          <a:xfrm>
-            <a:off x="0" y="172122"/>
-            <a:ext cx="8084265" cy="923330"/>
-          </a:xfrm>
-          <a:prstGeom prst="rect">
-            <a:avLst/>
-          </a:prstGeom>
-          <a:noFill/>
-        </p:spPr>
-        <p:txBody>
-          <a:bodyPr wrap="none" lIns="91440" tIns="45720" rIns="91440" bIns="45720">
-            <a:spAutoFit/>
-          </a:bodyPr>
-          <a:lstStyle/>
-          <a:p>
-            <a:pPr algn="ctr"/>
-            <a:r>
-              <a:rPr lang="ko-KR" altLang="en-US" sz="5400" b="0" cap="none" spc="0" dirty="0" smtClean="0">
-                <a:ln w="0"/>
-                <a:solidFill>
-                  <a:schemeClr val="accent1"/>
-                </a:solidFill>
-                <a:effectLst>
-                  <a:outerShdw blurRad="38100" dist="25400" dir="5400000" algn="ctr" rotWithShape="0">
-                    <a:srgbClr val="6E747A">
-                      <a:alpha val="43000"/>
-                    </a:srgbClr>
-                  </a:outerShdw>
-                </a:effectLst>
-              </a:rPr>
-              <a:t>상세 </a:t>
-            </a:r>
-            <a:r>
-              <a:rPr lang="ko-KR" altLang="en-US" sz="5400" b="0" cap="none" spc="0" dirty="0" smtClean="0">
-                <a:ln w="0"/>
-                <a:solidFill>
-                  <a:schemeClr val="accent1"/>
-                </a:solidFill>
-                <a:effectLst>
-                  <a:outerShdw blurRad="38100" dist="25400" dir="5400000" algn="ctr" rotWithShape="0">
-                    <a:srgbClr val="6E747A">
-                      <a:alpha val="43000"/>
-                    </a:srgbClr>
-                  </a:outerShdw>
-                </a:effectLst>
-              </a:rPr>
-              <a:t>페이지 삭제 후 목록</a:t>
-            </a:r>
-            <a:endParaRPr lang="en-US" altLang="ko-KR" sz="5400" b="0" cap="none" spc="0" dirty="0">
-              <a:ln w="0"/>
-              <a:solidFill>
-                <a:schemeClr val="accent1"/>
-              </a:solidFill>
-              <a:effectLst>
-                <a:outerShdw blurRad="38100" dist="25400" dir="5400000" algn="ctr" rotWithShape="0">
-                  <a:srgbClr val="6E747A">
-                    <a:alpha val="43000"/>
-                  </a:srgbClr>
-                </a:outerShdw>
-              </a:effectLst>
-            </a:endParaRPr>
+      <p:sp>
+        <p:nvSpPr>
+          <p:cNvPr id="2" name="제목 1"/>
+          <p:cNvSpPr>
+            <a:spLocks noGrp="1"/>
+          </p:cNvSpPr>
+          <p:nvPr>
+            <p:ph type="ctrTitle"/>
+          </p:nvPr>
+        </p:nvSpPr>
+        <p:spPr/>
+        <p:txBody>
+          <a:bodyPr/>
+          <a:lstStyle/>
+          <a:p>
+            <a:r>
+              <a:rPr lang="en-US" altLang="ko-KR" b="1" dirty="0" smtClean="0"/>
+              <a:t>PAGES</a:t>
+            </a:r>
+            <a:endParaRPr lang="ko-KR" altLang="en-US" b="1" dirty="0"/>
           </a:p>
         </p:txBody>
       </p:sp>
     </p:spTree>
     <p:extLst>
       <p:ext uri="{BB962C8B-B14F-4D97-AF65-F5344CB8AC3E}">
-        <p14:creationId xmlns:p14="http://schemas.microsoft.com/office/powerpoint/2010/main" val="2070318553"/>
+        <p14:creationId xmlns:p14="http://schemas.microsoft.com/office/powerpoint/2010/main" val="3492278678"/>
       </p:ext>
     </p:extLst>
   </p:cSld>
   <p:clrMapOvr>
     <a:masterClrMapping/>
   </p:clrMapOvr>
+  <p:timing>
+    <p:tnLst>
+      <p:par>
+        <p:cTn id="1" dur="indefinite" restart="never" nodeType="tmRoot"/>
+      </p:par>
+    </p:tnLst>
+  </p:timing>
 </p:sld>
 </file>
 
